--- a/Group2_presentation.pptx
+++ b/Group2_presentation.pptx
@@ -5,23 +5,25 @@
     <p:sldMasterId id="2147483708" r:id="rId1"/>
   </p:sldMasterIdLst>
   <p:notesMasterIdLst>
-    <p:notesMasterId r:id="rId16"/>
+    <p:notesMasterId r:id="rId18"/>
   </p:notesMasterIdLst>
   <p:sldIdLst>
     <p:sldId id="256" r:id="rId2"/>
     <p:sldId id="338" r:id="rId3"/>
     <p:sldId id="354" r:id="rId4"/>
     <p:sldId id="339" r:id="rId5"/>
-    <p:sldId id="343" r:id="rId6"/>
-    <p:sldId id="352" r:id="rId7"/>
-    <p:sldId id="344" r:id="rId8"/>
-    <p:sldId id="345" r:id="rId9"/>
-    <p:sldId id="347" r:id="rId10"/>
-    <p:sldId id="353" r:id="rId11"/>
-    <p:sldId id="348" r:id="rId12"/>
-    <p:sldId id="351" r:id="rId13"/>
-    <p:sldId id="289" r:id="rId14"/>
-    <p:sldId id="290" r:id="rId15"/>
+    <p:sldId id="352" r:id="rId6"/>
+    <p:sldId id="343" r:id="rId7"/>
+    <p:sldId id="353" r:id="rId8"/>
+    <p:sldId id="344" r:id="rId9"/>
+    <p:sldId id="361" r:id="rId10"/>
+    <p:sldId id="363" r:id="rId11"/>
+    <p:sldId id="357" r:id="rId12"/>
+    <p:sldId id="358" r:id="rId13"/>
+    <p:sldId id="359" r:id="rId14"/>
+    <p:sldId id="351" r:id="rId15"/>
+    <p:sldId id="289" r:id="rId16"/>
+    <p:sldId id="290" r:id="rId17"/>
   </p:sldIdLst>
   <p:sldSz cx="12192000" cy="6858000"/>
   <p:notesSz cx="6858000" cy="9144000"/>
@@ -235,7 +237,7 @@
           <a:p>
             <a:fld id="{BA0B1A39-F76B-2345-8A11-D9A9DFAFAB1A}" type="datetimeFigureOut">
               <a:rPr lang="it-IT" smtClean="0"/>
-              <a:t>04/06/24</a:t>
+              <a:t>07/06/24</a:t>
             </a:fld>
             <a:endParaRPr lang="it-IT"/>
           </a:p>
@@ -589,6 +591,180 @@
 </p:notes>
 </file>
 
+<file path=ppt/notesSlides/notesSlide10.xml><?xml version="1.0" encoding="utf-8"?>
+<p:notes xmlns:a="http://schemas.openxmlformats.org/drawingml/2006/main" xmlns:r="http://schemas.openxmlformats.org/officeDocument/2006/relationships" xmlns:p="http://schemas.openxmlformats.org/presentationml/2006/main">
+  <p:cSld>
+    <p:spTree>
+      <p:nvGrpSpPr>
+        <p:cNvPr id="1" name=""/>
+        <p:cNvGrpSpPr/>
+        <p:nvPr/>
+      </p:nvGrpSpPr>
+      <p:grpSpPr>
+        <a:xfrm>
+          <a:off x="0" y="0"/>
+          <a:ext cx="0" cy="0"/>
+          <a:chOff x="0" y="0"/>
+          <a:chExt cx="0" cy="0"/>
+        </a:xfrm>
+      </p:grpSpPr>
+      <p:sp>
+        <p:nvSpPr>
+          <p:cNvPr id="2" name="Segnaposto immagine diapositiva 1"/>
+          <p:cNvSpPr>
+            <a:spLocks noGrp="1" noRot="1" noChangeAspect="1"/>
+          </p:cNvSpPr>
+          <p:nvPr>
+            <p:ph type="sldImg"/>
+          </p:nvPr>
+        </p:nvSpPr>
+        <p:spPr/>
+      </p:sp>
+      <p:sp>
+        <p:nvSpPr>
+          <p:cNvPr id="3" name="Segnaposto note 2"/>
+          <p:cNvSpPr>
+            <a:spLocks noGrp="1"/>
+          </p:cNvSpPr>
+          <p:nvPr>
+            <p:ph type="body" idx="1"/>
+          </p:nvPr>
+        </p:nvSpPr>
+        <p:spPr/>
+        <p:txBody>
+          <a:bodyPr/>
+          <a:lstStyle/>
+          <a:p>
+            <a:pPr marL="0" indent="0">
+              <a:buNone/>
+            </a:pPr>
+            <a:endParaRPr lang="it-IT" dirty="0"/>
+          </a:p>
+        </p:txBody>
+      </p:sp>
+      <p:sp>
+        <p:nvSpPr>
+          <p:cNvPr id="4" name="Segnaposto numero diapositiva 3"/>
+          <p:cNvSpPr>
+            <a:spLocks noGrp="1"/>
+          </p:cNvSpPr>
+          <p:nvPr>
+            <p:ph type="sldNum" sz="quarter" idx="5"/>
+          </p:nvPr>
+        </p:nvSpPr>
+        <p:spPr/>
+        <p:txBody>
+          <a:bodyPr/>
+          <a:lstStyle/>
+          <a:p>
+            <a:fld id="{2AC1A48C-DDF3-4242-804E-4A6E1FC90AFF}" type="slidenum">
+              <a:rPr lang="it-IT" smtClean="0"/>
+              <a:t>12</a:t>
+            </a:fld>
+            <a:endParaRPr lang="it-IT"/>
+          </a:p>
+        </p:txBody>
+      </p:sp>
+    </p:spTree>
+    <p:extLst>
+      <p:ext uri="{BB962C8B-B14F-4D97-AF65-F5344CB8AC3E}">
+        <p14:creationId xmlns:p14="http://schemas.microsoft.com/office/powerpoint/2010/main" val="1235151461"/>
+      </p:ext>
+    </p:extLst>
+  </p:cSld>
+  <p:clrMapOvr>
+    <a:masterClrMapping/>
+  </p:clrMapOvr>
+</p:notes>
+</file>
+
+<file path=ppt/notesSlides/notesSlide11.xml><?xml version="1.0" encoding="utf-8"?>
+<p:notes xmlns:a="http://schemas.openxmlformats.org/drawingml/2006/main" xmlns:r="http://schemas.openxmlformats.org/officeDocument/2006/relationships" xmlns:p="http://schemas.openxmlformats.org/presentationml/2006/main">
+  <p:cSld>
+    <p:spTree>
+      <p:nvGrpSpPr>
+        <p:cNvPr id="1" name=""/>
+        <p:cNvGrpSpPr/>
+        <p:nvPr/>
+      </p:nvGrpSpPr>
+      <p:grpSpPr>
+        <a:xfrm>
+          <a:off x="0" y="0"/>
+          <a:ext cx="0" cy="0"/>
+          <a:chOff x="0" y="0"/>
+          <a:chExt cx="0" cy="0"/>
+        </a:xfrm>
+      </p:grpSpPr>
+      <p:sp>
+        <p:nvSpPr>
+          <p:cNvPr id="2" name="Segnaposto immagine diapositiva 1"/>
+          <p:cNvSpPr>
+            <a:spLocks noGrp="1" noRot="1" noChangeAspect="1"/>
+          </p:cNvSpPr>
+          <p:nvPr>
+            <p:ph type="sldImg"/>
+          </p:nvPr>
+        </p:nvSpPr>
+        <p:spPr/>
+      </p:sp>
+      <p:sp>
+        <p:nvSpPr>
+          <p:cNvPr id="3" name="Segnaposto note 2"/>
+          <p:cNvSpPr>
+            <a:spLocks noGrp="1"/>
+          </p:cNvSpPr>
+          <p:nvPr>
+            <p:ph type="body" idx="1"/>
+          </p:nvPr>
+        </p:nvSpPr>
+        <p:spPr/>
+        <p:txBody>
+          <a:bodyPr/>
+          <a:lstStyle/>
+          <a:p>
+            <a:pPr marL="0" indent="0">
+              <a:buNone/>
+            </a:pPr>
+            <a:endParaRPr lang="it-IT" dirty="0"/>
+          </a:p>
+        </p:txBody>
+      </p:sp>
+      <p:sp>
+        <p:nvSpPr>
+          <p:cNvPr id="4" name="Segnaposto numero diapositiva 3"/>
+          <p:cNvSpPr>
+            <a:spLocks noGrp="1"/>
+          </p:cNvSpPr>
+          <p:nvPr>
+            <p:ph type="sldNum" sz="quarter" idx="5"/>
+          </p:nvPr>
+        </p:nvSpPr>
+        <p:spPr/>
+        <p:txBody>
+          <a:bodyPr/>
+          <a:lstStyle/>
+          <a:p>
+            <a:fld id="{2AC1A48C-DDF3-4242-804E-4A6E1FC90AFF}" type="slidenum">
+              <a:rPr lang="it-IT" smtClean="0"/>
+              <a:t>13</a:t>
+            </a:fld>
+            <a:endParaRPr lang="it-IT"/>
+          </a:p>
+        </p:txBody>
+      </p:sp>
+    </p:spTree>
+    <p:extLst>
+      <p:ext uri="{BB962C8B-B14F-4D97-AF65-F5344CB8AC3E}">
+        <p14:creationId xmlns:p14="http://schemas.microsoft.com/office/powerpoint/2010/main" val="121868146"/>
+      </p:ext>
+    </p:extLst>
+  </p:cSld>
+  <p:clrMapOvr>
+    <a:masterClrMapping/>
+  </p:clrMapOvr>
+</p:notes>
+</file>
+
 <file path=ppt/notesSlides/notesSlide2.xml><?xml version="1.0" encoding="utf-8"?>
 <p:notes xmlns:a="http://schemas.openxmlformats.org/drawingml/2006/main" xmlns:r="http://schemas.openxmlformats.org/officeDocument/2006/relationships" xmlns:p="http://schemas.openxmlformats.org/presentationml/2006/main">
   <p:cSld>
@@ -831,7 +1007,7 @@
           <a:p>
             <a:fld id="{2AC1A48C-DDF3-4242-804E-4A6E1FC90AFF}" type="slidenum">
               <a:rPr lang="it-IT" smtClean="0"/>
-              <a:t>4</a:t>
+              <a:t>5</a:t>
             </a:fld>
             <a:endParaRPr lang="it-IT"/>
           </a:p>
@@ -918,7 +1094,7 @@
           <a:p>
             <a:fld id="{2AC1A48C-DDF3-4242-804E-4A6E1FC90AFF}" type="slidenum">
               <a:rPr lang="it-IT" smtClean="0"/>
-              <a:t>6</a:t>
+              <a:t>7</a:t>
             </a:fld>
             <a:endParaRPr lang="it-IT"/>
           </a:p>
@@ -1005,7 +1181,7 @@
           <a:p>
             <a:fld id="{2AC1A48C-DDF3-4242-804E-4A6E1FC90AFF}" type="slidenum">
               <a:rPr lang="it-IT" smtClean="0"/>
-              <a:t>7</a:t>
+              <a:t>8</a:t>
             </a:fld>
             <a:endParaRPr lang="it-IT"/>
           </a:p>
@@ -1014,7 +1190,7 @@
     </p:spTree>
     <p:extLst>
       <p:ext uri="{BB962C8B-B14F-4D97-AF65-F5344CB8AC3E}">
-        <p14:creationId xmlns:p14="http://schemas.microsoft.com/office/powerpoint/2010/main" val="174215030"/>
+        <p14:creationId xmlns:p14="http://schemas.microsoft.com/office/powerpoint/2010/main" val="1731837926"/>
       </p:ext>
     </p:extLst>
   </p:cSld>
@@ -1092,7 +1268,7 @@
           <a:p>
             <a:fld id="{2AC1A48C-DDF3-4242-804E-4A6E1FC90AFF}" type="slidenum">
               <a:rPr lang="it-IT" smtClean="0"/>
-              <a:t>8</a:t>
+              <a:t>9</a:t>
             </a:fld>
             <a:endParaRPr lang="it-IT"/>
           </a:p>
@@ -1101,7 +1277,7 @@
     </p:spTree>
     <p:extLst>
       <p:ext uri="{BB962C8B-B14F-4D97-AF65-F5344CB8AC3E}">
-        <p14:creationId xmlns:p14="http://schemas.microsoft.com/office/powerpoint/2010/main" val="4234222497"/>
+        <p14:creationId xmlns:p14="http://schemas.microsoft.com/office/powerpoint/2010/main" val="3005495669"/>
       </p:ext>
     </p:extLst>
   </p:cSld>
@@ -1188,7 +1364,7 @@
     </p:spTree>
     <p:extLst>
       <p:ext uri="{BB962C8B-B14F-4D97-AF65-F5344CB8AC3E}">
-        <p14:creationId xmlns:p14="http://schemas.microsoft.com/office/powerpoint/2010/main" val="2448801358"/>
+        <p14:creationId xmlns:p14="http://schemas.microsoft.com/office/powerpoint/2010/main" val="1165236527"/>
       </p:ext>
     </p:extLst>
   </p:cSld>
@@ -1275,7 +1451,7 @@
     </p:spTree>
     <p:extLst>
       <p:ext uri="{BB962C8B-B14F-4D97-AF65-F5344CB8AC3E}">
-        <p14:creationId xmlns:p14="http://schemas.microsoft.com/office/powerpoint/2010/main" val="121868146"/>
+        <p14:creationId xmlns:p14="http://schemas.microsoft.com/office/powerpoint/2010/main" val="1961854252"/>
       </p:ext>
     </p:extLst>
   </p:cSld>
@@ -1440,7 +1616,7 @@
           <a:p>
             <a:fld id="{0D2386D2-9E64-2B4C-8FFB-872CA87DE244}" type="datetime1">
               <a:rPr lang="it-IT" smtClean="0"/>
-              <a:t>04/06/24</a:t>
+              <a:t>07/06/24</a:t>
             </a:fld>
             <a:endParaRPr lang="en-US" dirty="0"/>
           </a:p>
@@ -1644,7 +1820,7 @@
           <a:p>
             <a:fld id="{3B923A69-7CF0-F840-93BE-C94C8CF906F9}" type="datetime1">
               <a:rPr lang="it-IT" smtClean="0"/>
-              <a:t>04/06/24</a:t>
+              <a:t>07/06/24</a:t>
             </a:fld>
             <a:endParaRPr lang="en-US" dirty="0"/>
           </a:p>
@@ -1836,7 +2012,7 @@
           <a:p>
             <a:fld id="{EF97BBDF-61F4-6A4A-89A2-0DB304DF6BCD}" type="datetime1">
               <a:rPr lang="it-IT" smtClean="0"/>
-              <a:t>04/06/24</a:t>
+              <a:t>07/06/24</a:t>
             </a:fld>
             <a:endParaRPr lang="en-US" dirty="0"/>
           </a:p>
@@ -2019,7 +2195,7 @@
           <a:p>
             <a:fld id="{5DF8F3DD-00DB-2146-9B64-A73BEFADED4D}" type="datetime1">
               <a:rPr lang="it-IT" smtClean="0"/>
-              <a:t>04/06/24</a:t>
+              <a:t>07/06/24</a:t>
             </a:fld>
             <a:endParaRPr lang="en-US" dirty="0"/>
           </a:p>
@@ -2312,7 +2488,7 @@
           <a:p>
             <a:fld id="{CF23D4FD-AA13-EB4E-BE26-DC9AA3AECB0C}" type="datetime1">
               <a:rPr lang="it-IT" smtClean="0"/>
-              <a:t>04/06/24</a:t>
+              <a:t>07/06/24</a:t>
             </a:fld>
             <a:endParaRPr lang="en-US" dirty="0"/>
           </a:p>
@@ -2557,7 +2733,7 @@
           <a:p>
             <a:fld id="{42A950A6-CB7E-024E-9E00-074FF25B85E9}" type="datetime1">
               <a:rPr lang="it-IT" smtClean="0"/>
-              <a:t>04/06/24</a:t>
+              <a:t>07/06/24</a:t>
             </a:fld>
             <a:endParaRPr lang="en-US" dirty="0"/>
           </a:p>
@@ -2924,7 +3100,7 @@
           <a:p>
             <a:fld id="{073FCDA7-E86E-2F48-8BFD-7055E8D601C2}" type="datetime1">
               <a:rPr lang="it-IT" smtClean="0"/>
-              <a:t>04/06/24</a:t>
+              <a:t>07/06/24</a:t>
             </a:fld>
             <a:endParaRPr lang="en-US" dirty="0"/>
           </a:p>
@@ -3077,7 +3253,7 @@
           <a:p>
             <a:fld id="{979184FF-2B39-E145-B7EB-027DE301F18F}" type="datetime1">
               <a:rPr lang="it-IT" smtClean="0"/>
-              <a:t>04/06/24</a:t>
+              <a:t>07/06/24</a:t>
             </a:fld>
             <a:endParaRPr lang="en-US" dirty="0"/>
           </a:p>
@@ -3184,7 +3360,7 @@
           <a:p>
             <a:fld id="{943A044A-1C1E-0847-8963-472E169A0C49}" type="datetime1">
               <a:rPr lang="it-IT" smtClean="0"/>
-              <a:t>04/06/24</a:t>
+              <a:t>07/06/24</a:t>
             </a:fld>
             <a:endParaRPr lang="en-US" dirty="0"/>
           </a:p>
@@ -3553,7 +3729,7 @@
           <a:p>
             <a:fld id="{4BE14D9C-B097-D444-8ACF-F6FA75A1CACF}" type="datetime1">
               <a:rPr lang="it-IT" smtClean="0"/>
-              <a:t>04/06/24</a:t>
+              <a:t>07/06/24</a:t>
             </a:fld>
             <a:endParaRPr lang="en-US" dirty="0"/>
           </a:p>
@@ -3899,7 +4075,7 @@
           <a:p>
             <a:fld id="{449359F9-1411-1A4E-87CD-C94AEA2822E8}" type="datetime1">
               <a:rPr lang="it-IT" smtClean="0"/>
-              <a:t>04/06/24</a:t>
+              <a:t>07/06/24</a:t>
             </a:fld>
             <a:endParaRPr lang="en-US" dirty="0"/>
           </a:p>
@@ -4161,7 +4337,7 @@
           <a:p>
             <a:fld id="{AC11EBAA-2D15-9942-A40D-E3BCEFC416B0}" type="datetime1">
               <a:rPr lang="it-IT" smtClean="0"/>
-              <a:t>04/06/24</a:t>
+              <a:t>07/06/24</a:t>
             </a:fld>
             <a:endParaRPr lang="en-US" dirty="0"/>
           </a:p>
@@ -5079,7 +5255,7 @@
           <p:cNvPr id="2" name="Titolo 1">
             <a:extLst>
               <a:ext uri="{FF2B5EF4-FFF2-40B4-BE49-F238E27FC236}">
-                <a16:creationId xmlns:a16="http://schemas.microsoft.com/office/drawing/2014/main" id="{A495FDAF-5DEC-40E7-AF67-31E960084C6B}"/>
+                <a16:creationId xmlns:a16="http://schemas.microsoft.com/office/drawing/2014/main" id="{43546A30-2501-5F83-078D-3D6E15C09B12}"/>
               </a:ext>
             </a:extLst>
           </p:cNvPr>
@@ -5092,8 +5268,8 @@
         </p:nvSpPr>
         <p:spPr>
           <a:xfrm>
-            <a:off x="3344440" y="2772987"/>
-            <a:ext cx="5503119" cy="1312025"/>
+            <a:off x="2231136" y="487987"/>
+            <a:ext cx="7729728" cy="1188720"/>
           </a:xfrm>
           <a:ln>
             <a:solidFill>
@@ -5108,38 +5284,101 @@
           <a:lstStyle/>
           <a:p>
             <a:r>
-              <a:rPr lang="it-IT" sz="4400" dirty="0" err="1">
+              <a:rPr lang="it-IT" sz="3200" dirty="0" err="1">
                 <a:solidFill>
                   <a:srgbClr val="C00000"/>
                 </a:solidFill>
               </a:rPr>
-              <a:t>discussion</a:t>
-            </a:r>
-            <a:endParaRPr lang="it-IT" sz="3600" dirty="0">
-              <a:solidFill>
-                <a:srgbClr val="C00000"/>
-              </a:solidFill>
-            </a:endParaRPr>
-          </a:p>
-        </p:txBody>
-      </p:sp>
+              <a:t>closed</a:t>
+            </a:r>
+            <a:r>
+              <a:rPr lang="it-IT" sz="3200" dirty="0">
+                <a:solidFill>
+                  <a:srgbClr val="C00000"/>
+                </a:solidFill>
+              </a:rPr>
+              <a:t> box model</a:t>
+            </a:r>
+          </a:p>
+        </p:txBody>
+      </p:sp>
+      <p:pic>
+        <p:nvPicPr>
+          <p:cNvPr id="4" name="Immagine 3" descr="Immagine che contiene testo, schermata, Policromia, Diagramma&#10;&#10;Descrizione generata automaticamente">
+            <a:extLst>
+              <a:ext uri="{FF2B5EF4-FFF2-40B4-BE49-F238E27FC236}">
+                <a16:creationId xmlns:a16="http://schemas.microsoft.com/office/drawing/2014/main" id="{578D30B6-AEFA-F907-B105-543D2A7FA9C4}"/>
+              </a:ext>
+            </a:extLst>
+          </p:cNvPr>
+          <p:cNvPicPr>
+            <a:picLocks noChangeAspect="1"/>
+          </p:cNvPicPr>
+          <p:nvPr/>
+        </p:nvPicPr>
+        <p:blipFill>
+          <a:blip r:embed="rId3"/>
+          <a:stretch>
+            <a:fillRect/>
+          </a:stretch>
+        </p:blipFill>
+        <p:spPr>
+          <a:xfrm>
+            <a:off x="799476" y="2072865"/>
+            <a:ext cx="5220664" cy="3794400"/>
+          </a:xfrm>
+          <a:prstGeom prst="rect">
+            <a:avLst/>
+          </a:prstGeom>
+        </p:spPr>
+      </p:pic>
+      <p:pic>
+        <p:nvPicPr>
+          <p:cNvPr id="7" name="Immagine 6" descr="Immagine che contiene testo, schermata, linea, Diagramma&#10;&#10;Descrizione generata automaticamente">
+            <a:extLst>
+              <a:ext uri="{FF2B5EF4-FFF2-40B4-BE49-F238E27FC236}">
+                <a16:creationId xmlns:a16="http://schemas.microsoft.com/office/drawing/2014/main" id="{0AB02655-665D-AEC8-2972-DDAFA9B31954}"/>
+              </a:ext>
+            </a:extLst>
+          </p:cNvPr>
+          <p:cNvPicPr>
+            <a:picLocks noChangeAspect="1"/>
+          </p:cNvPicPr>
+          <p:nvPr/>
+        </p:nvPicPr>
+        <p:blipFill>
+          <a:blip r:embed="rId4"/>
+          <a:stretch>
+            <a:fillRect/>
+          </a:stretch>
+        </p:blipFill>
+        <p:spPr>
+          <a:xfrm>
+            <a:off x="6171862" y="2115874"/>
+            <a:ext cx="5220664" cy="3708381"/>
+          </a:xfrm>
+          <a:prstGeom prst="rect">
+            <a:avLst/>
+          </a:prstGeom>
+        </p:spPr>
+      </p:pic>
     </p:spTree>
     <p:extLst>
       <p:ext uri="{BB962C8B-B14F-4D97-AF65-F5344CB8AC3E}">
-        <p14:creationId xmlns:p14="http://schemas.microsoft.com/office/powerpoint/2010/main" val="2270549079"/>
+        <p14:creationId xmlns:p14="http://schemas.microsoft.com/office/powerpoint/2010/main" val="4277031578"/>
       </p:ext>
     </p:extLst>
   </p:cSld>
   <p:clrMapOvr>
     <a:masterClrMapping/>
   </p:clrMapOvr>
-  <mc:AlternateContent xmlns:mc="http://schemas.openxmlformats.org/markup-compatibility/2006" xmlns:p14="http://schemas.microsoft.com/office/powerpoint/2010/main">
-    <mc:Choice Requires="p14">
+  <mc:AlternateContent xmlns:mc="http://schemas.openxmlformats.org/markup-compatibility/2006">
+    <mc:Choice xmlns:p14="http://schemas.microsoft.com/office/powerpoint/2010/main" Requires="p14">
       <p:transition spd="med" p14:dur="700">
         <p:fade/>
       </p:transition>
     </mc:Choice>
-    <mc:Fallback xmlns="">
+    <mc:Fallback>
       <p:transition spd="med">
         <p:fade/>
       </p:transition>
@@ -5204,7 +5443,7 @@
                   <a:srgbClr val="C00000"/>
                 </a:solidFill>
               </a:rPr>
-              <a:t>Bimodal</a:t>
+              <a:t>closed</a:t>
             </a:r>
             <a:r>
               <a:rPr lang="it-IT" sz="3200" dirty="0">
@@ -5212,46 +5451,7 @@
                   <a:srgbClr val="C00000"/>
                 </a:solidFill>
               </a:rPr>
-              <a:t> plot</a:t>
-            </a:r>
-          </a:p>
-        </p:txBody>
-      </p:sp>
-      <p:sp>
-        <p:nvSpPr>
-          <p:cNvPr id="3" name="Segnaposto contenuto 2">
-            <a:extLst>
-              <a:ext uri="{FF2B5EF4-FFF2-40B4-BE49-F238E27FC236}">
-                <a16:creationId xmlns:a16="http://schemas.microsoft.com/office/drawing/2014/main" id="{6803CA10-7EC5-78A7-2CF6-304C557B162C}"/>
-              </a:ext>
-            </a:extLst>
-          </p:cNvPr>
-          <p:cNvSpPr>
-            <a:spLocks noGrp="1"/>
-          </p:cNvSpPr>
-          <p:nvPr>
-            <p:ph idx="1"/>
-          </p:nvPr>
-        </p:nvSpPr>
-        <p:spPr>
-          <a:xfrm>
-            <a:off x="2231136" y="2022764"/>
-            <a:ext cx="7729728" cy="4347249"/>
-          </a:xfrm>
-        </p:spPr>
-        <p:txBody>
-          <a:bodyPr/>
-          <a:lstStyle/>
-          <a:p>
-            <a:r>
-              <a:rPr lang="en-US" dirty="0"/>
-              <a:t>2 graph opened</a:t>
-            </a:r>
-          </a:p>
-          <a:p>
-            <a:r>
-              <a:rPr lang="en-US" dirty="0"/>
-              <a:t>bins</a:t>
+              <a:t> box model </a:t>
             </a:r>
           </a:p>
         </p:txBody>
@@ -5261,7 +5461,7 @@
           <p:cNvPr id="4" name="Immagine 3">
             <a:extLst>
               <a:ext uri="{FF2B5EF4-FFF2-40B4-BE49-F238E27FC236}">
-                <a16:creationId xmlns:a16="http://schemas.microsoft.com/office/drawing/2014/main" id="{813903FE-60E1-411E-A35B-BBCB64F9BCB7}"/>
+                <a16:creationId xmlns:a16="http://schemas.microsoft.com/office/drawing/2014/main" id="{0A5520C3-19CE-4107-3D50-6E181B50D05D}"/>
               </a:ext>
             </a:extLst>
           </p:cNvPr>
@@ -5272,14 +5472,42 @@
         </p:nvPicPr>
         <p:blipFill>
           <a:blip r:embed="rId3"/>
-          <a:stretch>
-            <a:fillRect/>
-          </a:stretch>
+          <a:srcRect/>
+          <a:stretch/>
         </p:blipFill>
         <p:spPr>
           <a:xfrm>
-            <a:off x="4084039" y="3429000"/>
-            <a:ext cx="4023922" cy="2865521"/>
+            <a:off x="880204" y="2097124"/>
+            <a:ext cx="5139595" cy="3650796"/>
+          </a:xfrm>
+          <a:prstGeom prst="rect">
+            <a:avLst/>
+          </a:prstGeom>
+        </p:spPr>
+      </p:pic>
+      <p:pic>
+        <p:nvPicPr>
+          <p:cNvPr id="7" name="Immagine 6">
+            <a:extLst>
+              <a:ext uri="{FF2B5EF4-FFF2-40B4-BE49-F238E27FC236}">
+                <a16:creationId xmlns:a16="http://schemas.microsoft.com/office/drawing/2014/main" id="{BAA82F5B-E2B9-57BF-F0CD-519AD4BDAABD}"/>
+              </a:ext>
+            </a:extLst>
+          </p:cNvPr>
+          <p:cNvPicPr>
+            <a:picLocks noChangeAspect="1"/>
+          </p:cNvPicPr>
+          <p:nvPr/>
+        </p:nvPicPr>
+        <p:blipFill>
+          <a:blip r:embed="rId4"/>
+          <a:srcRect/>
+          <a:stretch/>
+        </p:blipFill>
+        <p:spPr>
+          <a:xfrm>
+            <a:off x="6172201" y="2073112"/>
+            <a:ext cx="5220321" cy="3698821"/>
           </a:xfrm>
           <a:prstGeom prst="rect">
             <a:avLst/>
@@ -5289,7 +5517,7 @@
     </p:spTree>
     <p:extLst>
       <p:ext uri="{BB962C8B-B14F-4D97-AF65-F5344CB8AC3E}">
-        <p14:creationId xmlns:p14="http://schemas.microsoft.com/office/powerpoint/2010/main" val="3939863529"/>
+        <p14:creationId xmlns:p14="http://schemas.microsoft.com/office/powerpoint/2010/main" val="2915204749"/>
       </p:ext>
     </p:extLst>
   </p:cSld>
@@ -5367,164 +5595,52 @@
                   <a:srgbClr val="C00000"/>
                 </a:solidFill>
               </a:rPr>
-              <a:t>summary</a:t>
-            </a:r>
-            <a:endParaRPr lang="it-IT" sz="3200" dirty="0">
-              <a:solidFill>
-                <a:srgbClr val="C00000"/>
-              </a:solidFill>
-            </a:endParaRPr>
-          </a:p>
-        </p:txBody>
-      </p:sp>
-      <p:sp>
-        <p:nvSpPr>
-          <p:cNvPr id="3" name="Segnaposto contenuto 2">
+              <a:t>opened</a:t>
+            </a:r>
+            <a:r>
+              <a:rPr lang="it-IT" sz="3200" dirty="0">
+                <a:solidFill>
+                  <a:srgbClr val="C00000"/>
+                </a:solidFill>
+              </a:rPr>
+              <a:t> box model </a:t>
+            </a:r>
+          </a:p>
+        </p:txBody>
+      </p:sp>
+      <p:pic>
+        <p:nvPicPr>
+          <p:cNvPr id="17" name="Segnaposto contenuto 16" descr="Immagine che contiene testo, schermata, linea, diagramma&#10;&#10;Descrizione generata automaticamente">
             <a:extLst>
               <a:ext uri="{FF2B5EF4-FFF2-40B4-BE49-F238E27FC236}">
-                <a16:creationId xmlns:a16="http://schemas.microsoft.com/office/drawing/2014/main" id="{6803CA10-7EC5-78A7-2CF6-304C557B162C}"/>
+                <a16:creationId xmlns:a16="http://schemas.microsoft.com/office/drawing/2014/main" id="{40A73C3E-C27E-F132-3709-2A21B6078C58}"/>
               </a:ext>
             </a:extLst>
           </p:cNvPr>
-          <p:cNvSpPr>
-            <a:spLocks noGrp="1"/>
-          </p:cNvSpPr>
+          <p:cNvPicPr>
+            <a:picLocks noGrp="1" noChangeAspect="1"/>
+          </p:cNvPicPr>
           <p:nvPr>
             <p:ph idx="1"/>
           </p:nvPr>
-        </p:nvSpPr>
+        </p:nvPicPr>
+        <p:blipFill>
+          <a:blip r:embed="rId3"/>
+          <a:stretch>
+            <a:fillRect/>
+          </a:stretch>
+        </p:blipFill>
         <p:spPr>
           <a:xfrm>
-            <a:off x="2231136" y="2022764"/>
-            <a:ext cx="7729728" cy="4347249"/>
+            <a:off x="3009000" y="1984450"/>
+            <a:ext cx="6174000" cy="4385563"/>
           </a:xfrm>
         </p:spPr>
-        <p:txBody>
-          <a:bodyPr/>
-          <a:lstStyle/>
-          <a:p>
-            <a:r>
-              <a:rPr lang="en-US" b="1" dirty="0" err="1"/>
-              <a:t>ssds</a:t>
-            </a:r>
-            <a:r>
-              <a:rPr lang="en-US" b="1" dirty="0"/>
-              <a:t> vs closed</a:t>
-            </a:r>
-          </a:p>
-          <a:p>
-            <a:r>
-              <a:rPr lang="en-US" dirty="0"/>
-              <a:t>no </a:t>
-            </a:r>
-            <a:r>
-              <a:rPr lang="en-US" dirty="0" err="1"/>
-              <a:t>equilibrio</a:t>
-            </a:r>
-            <a:endParaRPr lang="en-US" dirty="0"/>
-          </a:p>
-          <a:p>
-            <a:r>
-              <a:rPr lang="en-US" dirty="0"/>
-              <a:t>fit non </a:t>
-            </a:r>
-            <a:r>
-              <a:rPr lang="en-US" dirty="0" err="1"/>
-              <a:t>compatibile</a:t>
-            </a:r>
-            <a:endParaRPr lang="en-US" dirty="0"/>
-          </a:p>
-          <a:p>
-            <a:r>
-              <a:rPr lang="en-US" dirty="0" err="1"/>
-              <a:t>bimodalità</a:t>
-            </a:r>
-            <a:r>
-              <a:rPr lang="en-US" dirty="0"/>
-              <a:t> non </a:t>
-            </a:r>
-            <a:r>
-              <a:rPr lang="en-US" dirty="0" err="1"/>
-              <a:t>riprodotta</a:t>
-            </a:r>
-            <a:endParaRPr lang="en-US" dirty="0"/>
-          </a:p>
-          <a:p>
-            <a:r>
-              <a:rPr lang="en-US" b="1" dirty="0"/>
-              <a:t>opened</a:t>
-            </a:r>
-          </a:p>
-          <a:p>
-            <a:r>
-              <a:rPr lang="en-US" dirty="0"/>
-              <a:t>non </a:t>
-            </a:r>
-            <a:r>
-              <a:rPr lang="en-US" dirty="0" err="1"/>
-              <a:t>possiamo</a:t>
-            </a:r>
-            <a:r>
-              <a:rPr lang="en-US" dirty="0"/>
-              <a:t> fare la </a:t>
-            </a:r>
-            <a:r>
-              <a:rPr lang="en-US" dirty="0" err="1"/>
-              <a:t>stessa</a:t>
-            </a:r>
-            <a:r>
-              <a:rPr lang="en-US" dirty="0"/>
-              <a:t> </a:t>
-            </a:r>
-            <a:r>
-              <a:rPr lang="en-US" dirty="0" err="1"/>
-              <a:t>analisi</a:t>
-            </a:r>
-            <a:r>
-              <a:rPr lang="en-US" dirty="0"/>
-              <a:t> </a:t>
-            </a:r>
-            <a:r>
-              <a:rPr lang="en-US" dirty="0">
-                <a:sym typeface="Wingdings" pitchFamily="2" charset="2"/>
-              </a:rPr>
-              <a:t> no spread </a:t>
-            </a:r>
-            <a:r>
-              <a:rPr lang="en-US" dirty="0" err="1">
-                <a:sym typeface="Wingdings" pitchFamily="2" charset="2"/>
-              </a:rPr>
-              <a:t>perchè</a:t>
-            </a:r>
-            <a:r>
-              <a:rPr lang="en-US" dirty="0">
-                <a:sym typeface="Wingdings" pitchFamily="2" charset="2"/>
-              </a:rPr>
-              <a:t> ~</a:t>
-            </a:r>
-            <a:r>
-              <a:rPr lang="en-US" dirty="0" err="1">
-                <a:sym typeface="Wingdings" pitchFamily="2" charset="2"/>
-              </a:rPr>
-              <a:t>stessa</a:t>
-            </a:r>
-            <a:r>
-              <a:rPr lang="en-US" dirty="0">
-                <a:sym typeface="Wingdings" pitchFamily="2" charset="2"/>
-              </a:rPr>
-              <a:t> age</a:t>
-            </a:r>
-            <a:endParaRPr lang="en-US" dirty="0"/>
-          </a:p>
-          <a:p>
-            <a:endParaRPr lang="en-US" dirty="0"/>
-          </a:p>
-        </p:txBody>
-      </p:sp>
+      </p:pic>
     </p:spTree>
     <p:extLst>
       <p:ext uri="{BB962C8B-B14F-4D97-AF65-F5344CB8AC3E}">
-        <p14:creationId xmlns:p14="http://schemas.microsoft.com/office/powerpoint/2010/main" val="2471320112"/>
+        <p14:creationId xmlns:p14="http://schemas.microsoft.com/office/powerpoint/2010/main" val="3968919626"/>
       </p:ext>
     </p:extLst>
   </p:cSld>
@@ -5568,6 +5684,365 @@
           <p:cNvPr id="2" name="Titolo 1">
             <a:extLst>
               <a:ext uri="{FF2B5EF4-FFF2-40B4-BE49-F238E27FC236}">
+                <a16:creationId xmlns:a16="http://schemas.microsoft.com/office/drawing/2014/main" id="{43546A30-2501-5F83-078D-3D6E15C09B12}"/>
+              </a:ext>
+            </a:extLst>
+          </p:cNvPr>
+          <p:cNvSpPr>
+            <a:spLocks noGrp="1"/>
+          </p:cNvSpPr>
+          <p:nvPr>
+            <p:ph type="title"/>
+          </p:nvPr>
+        </p:nvSpPr>
+        <p:spPr>
+          <a:xfrm>
+            <a:off x="2231136" y="487987"/>
+            <a:ext cx="7729728" cy="1188720"/>
+          </a:xfrm>
+          <a:ln>
+            <a:solidFill>
+              <a:srgbClr val="C00000"/>
+            </a:solidFill>
+          </a:ln>
+        </p:spPr>
+        <p:txBody>
+          <a:bodyPr>
+            <a:normAutofit/>
+          </a:bodyPr>
+          <a:lstStyle/>
+          <a:p>
+            <a:r>
+              <a:rPr lang="it-IT" sz="3200" dirty="0" err="1">
+                <a:solidFill>
+                  <a:srgbClr val="C00000"/>
+                </a:solidFill>
+              </a:rPr>
+              <a:t>opened</a:t>
+            </a:r>
+            <a:r>
+              <a:rPr lang="it-IT" sz="3200" dirty="0">
+                <a:solidFill>
+                  <a:srgbClr val="C00000"/>
+                </a:solidFill>
+              </a:rPr>
+              <a:t> box model </a:t>
+            </a:r>
+          </a:p>
+        </p:txBody>
+      </p:sp>
+      <p:pic>
+        <p:nvPicPr>
+          <p:cNvPr id="4" name="Immagine 3">
+            <a:extLst>
+              <a:ext uri="{FF2B5EF4-FFF2-40B4-BE49-F238E27FC236}">
+                <a16:creationId xmlns:a16="http://schemas.microsoft.com/office/drawing/2014/main" id="{0A5520C3-19CE-4107-3D50-6E181B50D05D}"/>
+              </a:ext>
+            </a:extLst>
+          </p:cNvPr>
+          <p:cNvPicPr>
+            <a:picLocks noChangeAspect="1"/>
+          </p:cNvPicPr>
+          <p:nvPr/>
+        </p:nvPicPr>
+        <p:blipFill>
+          <a:blip r:embed="rId3"/>
+          <a:srcRect/>
+          <a:stretch/>
+        </p:blipFill>
+        <p:spPr>
+          <a:xfrm>
+            <a:off x="880204" y="2097124"/>
+            <a:ext cx="5139595" cy="3650795"/>
+          </a:xfrm>
+          <a:prstGeom prst="rect">
+            <a:avLst/>
+          </a:prstGeom>
+        </p:spPr>
+      </p:pic>
+      <p:pic>
+        <p:nvPicPr>
+          <p:cNvPr id="7" name="Immagine 6">
+            <a:extLst>
+              <a:ext uri="{FF2B5EF4-FFF2-40B4-BE49-F238E27FC236}">
+                <a16:creationId xmlns:a16="http://schemas.microsoft.com/office/drawing/2014/main" id="{BAA82F5B-E2B9-57BF-F0CD-519AD4BDAABD}"/>
+              </a:ext>
+            </a:extLst>
+          </p:cNvPr>
+          <p:cNvPicPr>
+            <a:picLocks noChangeAspect="1"/>
+          </p:cNvPicPr>
+          <p:nvPr/>
+        </p:nvPicPr>
+        <p:blipFill>
+          <a:blip r:embed="rId4"/>
+          <a:srcRect/>
+          <a:stretch/>
+        </p:blipFill>
+        <p:spPr>
+          <a:xfrm>
+            <a:off x="6191875" y="2073112"/>
+            <a:ext cx="5180972" cy="3698821"/>
+          </a:xfrm>
+          <a:prstGeom prst="rect">
+            <a:avLst/>
+          </a:prstGeom>
+        </p:spPr>
+      </p:pic>
+    </p:spTree>
+    <p:extLst>
+      <p:ext uri="{BB962C8B-B14F-4D97-AF65-F5344CB8AC3E}">
+        <p14:creationId xmlns:p14="http://schemas.microsoft.com/office/powerpoint/2010/main" val="1803348750"/>
+      </p:ext>
+    </p:extLst>
+  </p:cSld>
+  <p:clrMapOvr>
+    <a:masterClrMapping/>
+  </p:clrMapOvr>
+  <mc:AlternateContent xmlns:mc="http://schemas.openxmlformats.org/markup-compatibility/2006">
+    <mc:Choice xmlns:p14="http://schemas.microsoft.com/office/powerpoint/2010/main" Requires="p14">
+      <p:transition spd="med" p14:dur="700">
+        <p:fade/>
+      </p:transition>
+    </mc:Choice>
+    <mc:Fallback>
+      <p:transition spd="med">
+        <p:fade/>
+      </p:transition>
+    </mc:Fallback>
+  </mc:AlternateContent>
+</p:sld>
+</file>
+
+<file path=ppt/slides/slide14.xml><?xml version="1.0" encoding="utf-8"?>
+<p:sld xmlns:a="http://schemas.openxmlformats.org/drawingml/2006/main" xmlns:r="http://schemas.openxmlformats.org/officeDocument/2006/relationships" xmlns:p="http://schemas.openxmlformats.org/presentationml/2006/main">
+  <p:cSld>
+    <p:spTree>
+      <p:nvGrpSpPr>
+        <p:cNvPr id="1" name=""/>
+        <p:cNvGrpSpPr/>
+        <p:nvPr/>
+      </p:nvGrpSpPr>
+      <p:grpSpPr>
+        <a:xfrm>
+          <a:off x="0" y="0"/>
+          <a:ext cx="0" cy="0"/>
+          <a:chOff x="0" y="0"/>
+          <a:chExt cx="0" cy="0"/>
+        </a:xfrm>
+      </p:grpSpPr>
+      <p:sp>
+        <p:nvSpPr>
+          <p:cNvPr id="2" name="Titolo 1">
+            <a:extLst>
+              <a:ext uri="{FF2B5EF4-FFF2-40B4-BE49-F238E27FC236}">
+                <a16:creationId xmlns:a16="http://schemas.microsoft.com/office/drawing/2014/main" id="{43546A30-2501-5F83-078D-3D6E15C09B12}"/>
+              </a:ext>
+            </a:extLst>
+          </p:cNvPr>
+          <p:cNvSpPr>
+            <a:spLocks noGrp="1"/>
+          </p:cNvSpPr>
+          <p:nvPr>
+            <p:ph type="title"/>
+          </p:nvPr>
+        </p:nvSpPr>
+        <p:spPr>
+          <a:xfrm>
+            <a:off x="2231136" y="487987"/>
+            <a:ext cx="7729728" cy="1188720"/>
+          </a:xfrm>
+          <a:ln>
+            <a:solidFill>
+              <a:srgbClr val="C00000"/>
+            </a:solidFill>
+          </a:ln>
+        </p:spPr>
+        <p:txBody>
+          <a:bodyPr>
+            <a:normAutofit/>
+          </a:bodyPr>
+          <a:lstStyle/>
+          <a:p>
+            <a:r>
+              <a:rPr lang="it-IT" sz="3200" dirty="0" err="1">
+                <a:solidFill>
+                  <a:srgbClr val="C00000"/>
+                </a:solidFill>
+              </a:rPr>
+              <a:t>summary</a:t>
+            </a:r>
+            <a:endParaRPr lang="it-IT" sz="3200" dirty="0">
+              <a:solidFill>
+                <a:srgbClr val="C00000"/>
+              </a:solidFill>
+            </a:endParaRPr>
+          </a:p>
+        </p:txBody>
+      </p:sp>
+      <p:sp>
+        <p:nvSpPr>
+          <p:cNvPr id="3" name="Segnaposto contenuto 2">
+            <a:extLst>
+              <a:ext uri="{FF2B5EF4-FFF2-40B4-BE49-F238E27FC236}">
+                <a16:creationId xmlns:a16="http://schemas.microsoft.com/office/drawing/2014/main" id="{6803CA10-7EC5-78A7-2CF6-304C557B162C}"/>
+              </a:ext>
+            </a:extLst>
+          </p:cNvPr>
+          <p:cNvSpPr>
+            <a:spLocks noGrp="1"/>
+          </p:cNvSpPr>
+          <p:nvPr>
+            <p:ph idx="1"/>
+          </p:nvPr>
+        </p:nvSpPr>
+        <p:spPr>
+          <a:xfrm>
+            <a:off x="2231136" y="2022764"/>
+            <a:ext cx="7729728" cy="4347249"/>
+          </a:xfrm>
+        </p:spPr>
+        <p:txBody>
+          <a:bodyPr/>
+          <a:lstStyle/>
+          <a:p>
+            <a:pPr marL="0" indent="0">
+              <a:buNone/>
+            </a:pPr>
+            <a:r>
+              <a:rPr lang="en-US" sz="2000" b="1" dirty="0"/>
+              <a:t>Closed box model VS SDSS data</a:t>
+            </a:r>
+          </a:p>
+          <a:p>
+            <a:r>
+              <a:rPr lang="en-US" dirty="0"/>
+              <a:t>The closed box is not an equilibrium model</a:t>
+            </a:r>
+          </a:p>
+          <a:p>
+            <a:r>
+              <a:rPr lang="en-US" dirty="0"/>
+              <a:t>The two fits of the Main Sequence of star forming galaxies aren’t compatible</a:t>
+            </a:r>
+          </a:p>
+          <a:p>
+            <a:r>
+              <a:rPr lang="en-US" dirty="0"/>
+              <a:t>The bimodality is not reproduced by this model</a:t>
+            </a:r>
+          </a:p>
+          <a:p>
+            <a:endParaRPr lang="en-US" dirty="0"/>
+          </a:p>
+          <a:p>
+            <a:pPr marL="0" indent="0">
+              <a:buNone/>
+            </a:pPr>
+            <a:r>
+              <a:rPr lang="en-US" sz="2000" b="1" dirty="0"/>
+              <a:t>Opened box model</a:t>
+            </a:r>
+            <a:endParaRPr lang="en-US" sz="2000" dirty="0"/>
+          </a:p>
+          <a:p>
+            <a:r>
+              <a:rPr lang="en-US" dirty="0"/>
+              <a:t>We cannot perform the same analysis since we’re not able to reproduce the spread of the galaxies in the </a:t>
+            </a:r>
+            <a:r>
+              <a:rPr lang="en-US" dirty="0" err="1"/>
+              <a:t>sSFR</a:t>
+            </a:r>
+            <a:r>
+              <a:rPr lang="en-US" dirty="0"/>
+              <a:t> plot </a:t>
+            </a:r>
+            <a:r>
+              <a:rPr lang="en-US" dirty="0">
+                <a:sym typeface="Wingdings" pitchFamily="2" charset="2"/>
+              </a:rPr>
+              <a:t></a:t>
+            </a:r>
+            <a:r>
+              <a:rPr lang="en-US" dirty="0"/>
+              <a:t> age of the galaxies</a:t>
+            </a:r>
+          </a:p>
+          <a:p>
+            <a:r>
+              <a:rPr lang="en-US" dirty="0"/>
+              <a:t>The code doesn’t produce galaxies in the passive region </a:t>
+            </a:r>
+            <a:r>
+              <a:rPr lang="en-US" dirty="0">
+                <a:sym typeface="Wingdings" pitchFamily="2" charset="2"/>
+              </a:rPr>
+              <a:t> </a:t>
+            </a:r>
+            <a:r>
+              <a:rPr lang="en-US" dirty="0" err="1">
+                <a:sym typeface="Wingdings" pitchFamily="2" charset="2"/>
+              </a:rPr>
+              <a:t>sSFR</a:t>
+            </a:r>
+            <a:r>
+              <a:rPr lang="en-US" dirty="0">
+                <a:sym typeface="Wingdings" pitchFamily="2" charset="2"/>
+              </a:rPr>
+              <a:t> drop</a:t>
+            </a:r>
+            <a:endParaRPr lang="en-US" dirty="0"/>
+          </a:p>
+        </p:txBody>
+      </p:sp>
+    </p:spTree>
+    <p:extLst>
+      <p:ext uri="{BB962C8B-B14F-4D97-AF65-F5344CB8AC3E}">
+        <p14:creationId xmlns:p14="http://schemas.microsoft.com/office/powerpoint/2010/main" val="2471320112"/>
+      </p:ext>
+    </p:extLst>
+  </p:cSld>
+  <p:clrMapOvr>
+    <a:masterClrMapping/>
+  </p:clrMapOvr>
+  <mc:AlternateContent xmlns:mc="http://schemas.openxmlformats.org/markup-compatibility/2006" xmlns:p14="http://schemas.microsoft.com/office/powerpoint/2010/main">
+    <mc:Choice Requires="p14">
+      <p:transition spd="med" p14:dur="700">
+        <p:fade/>
+      </p:transition>
+    </mc:Choice>
+    <mc:Fallback xmlns="">
+      <p:transition spd="med">
+        <p:fade/>
+      </p:transition>
+    </mc:Fallback>
+  </mc:AlternateContent>
+</p:sld>
+</file>
+
+<file path=ppt/slides/slide15.xml><?xml version="1.0" encoding="utf-8"?>
+<p:sld xmlns:a="http://schemas.openxmlformats.org/drawingml/2006/main" xmlns:r="http://schemas.openxmlformats.org/officeDocument/2006/relationships" xmlns:p="http://schemas.openxmlformats.org/presentationml/2006/main">
+  <p:cSld>
+    <p:spTree>
+      <p:nvGrpSpPr>
+        <p:cNvPr id="1" name=""/>
+        <p:cNvGrpSpPr/>
+        <p:nvPr/>
+      </p:nvGrpSpPr>
+      <p:grpSpPr>
+        <a:xfrm>
+          <a:off x="0" y="0"/>
+          <a:ext cx="0" cy="0"/>
+          <a:chOff x="0" y="0"/>
+          <a:chExt cx="0" cy="0"/>
+        </a:xfrm>
+      </p:grpSpPr>
+      <p:sp>
+        <p:nvSpPr>
+          <p:cNvPr id="2" name="Titolo 1">
+            <a:extLst>
+              <a:ext uri="{FF2B5EF4-FFF2-40B4-BE49-F238E27FC236}">
                 <a16:creationId xmlns:a16="http://schemas.microsoft.com/office/drawing/2014/main" id="{A495FDAF-5DEC-40E7-AF67-31E960084C6B}"/>
               </a:ext>
             </a:extLst>
@@ -5597,12 +6072,12 @@
           <a:lstStyle/>
           <a:p>
             <a:r>
-              <a:rPr lang="it-IT" sz="3600" dirty="0">
+              <a:rPr lang="en-US" sz="3600" dirty="0">
                 <a:solidFill>
                   <a:srgbClr val="C00000"/>
                 </a:solidFill>
               </a:rPr>
-              <a:t>Grazie per l’attenzione</a:t>
+              <a:t>Thanks for your attention!</a:t>
             </a:r>
           </a:p>
         </p:txBody>
@@ -5632,7 +6107,7 @@
 </p:sld>
 </file>
 
-<file path=ppt/slides/slide14.xml><?xml version="1.0" encoding="utf-8"?>
+<file path=ppt/slides/slide16.xml><?xml version="1.0" encoding="utf-8"?>
 <p:sld xmlns:a="http://schemas.openxmlformats.org/drawingml/2006/main" xmlns:r="http://schemas.openxmlformats.org/officeDocument/2006/relationships" xmlns:p="http://schemas.openxmlformats.org/presentationml/2006/main">
   <p:cSld>
     <p:spTree>
@@ -5810,7 +6285,7 @@
                   <a:schemeClr val="tx1"/>
                 </a:solidFill>
               </a:rPr>
-              <a:t>sfr</a:t>
+              <a:t>SFR</a:t>
             </a:r>
             <a:r>
               <a:rPr lang="en-US" sz="3200" dirty="0">
@@ -5833,13 +6308,13 @@
   <p:clrMapOvr>
     <a:masterClrMapping/>
   </p:clrMapOvr>
-  <mc:AlternateContent xmlns:mc="http://schemas.openxmlformats.org/markup-compatibility/2006">
-    <mc:Choice xmlns:p14="http://schemas.microsoft.com/office/powerpoint/2010/main" Requires="p14">
+  <mc:AlternateContent xmlns:mc="http://schemas.openxmlformats.org/markup-compatibility/2006" xmlns:p14="http://schemas.microsoft.com/office/powerpoint/2010/main">
+    <mc:Choice Requires="p14">
       <p:transition spd="med" p14:dur="700">
         <p:fade/>
       </p:transition>
     </mc:Choice>
-    <mc:Fallback>
+    <mc:Fallback xmlns="">
       <p:transition spd="med">
         <p:fade/>
       </p:transition>
@@ -5948,28 +6423,125 @@
         </p:nvSpPr>
         <p:spPr>
           <a:xfrm>
-            <a:off x="2231136" y="2022764"/>
-            <a:ext cx="7729728" cy="4347249"/>
+            <a:off x="2231136" y="2180190"/>
+            <a:ext cx="4244615" cy="4093222"/>
           </a:xfrm>
         </p:spPr>
         <p:txBody>
           <a:bodyPr/>
           <a:lstStyle/>
           <a:p>
+            <a:pPr marL="0" indent="0">
+              <a:buNone/>
+            </a:pPr>
+            <a:r>
+              <a:rPr lang="en-US" sz="2000" b="1" dirty="0"/>
+              <a:t>Sloan Digital Sky Survey (SDSS)</a:t>
+            </a:r>
+          </a:p>
+          <a:p>
             <a:r>
               <a:rPr lang="en-US" dirty="0"/>
-              <a:t>SSDS</a:t>
-            </a:r>
-          </a:p>
-          <a:p>
-            <a:r>
-              <a:rPr lang="en-US" dirty="0" err="1"/>
-              <a:t>Cigale</a:t>
-            </a:r>
+              <a:t>Catalog containing 300000 multi-band photometric observations of galaxies</a:t>
+            </a:r>
+          </a:p>
+          <a:p>
+            <a:pPr marL="0" indent="0">
+              <a:buNone/>
+            </a:pPr>
             <a:endParaRPr lang="en-US" dirty="0"/>
           </a:p>
-        </p:txBody>
-      </p:sp>
+          <a:p>
+            <a:pPr marL="0" indent="0">
+              <a:buNone/>
+            </a:pPr>
+            <a:endParaRPr lang="en-US" dirty="0"/>
+          </a:p>
+          <a:p>
+            <a:pPr marL="0" indent="0">
+              <a:buNone/>
+            </a:pPr>
+            <a:r>
+              <a:rPr lang="en-US" sz="2000" b="1" dirty="0"/>
+              <a:t>Code Investigating </a:t>
+            </a:r>
+            <a:r>
+              <a:rPr lang="en-US" sz="2000" b="1" dirty="0" err="1"/>
+              <a:t>GALaxy</a:t>
+            </a:r>
+            <a:r>
+              <a:rPr lang="en-US" sz="2000" b="1" dirty="0"/>
+              <a:t> Emission (CIGALE)</a:t>
+            </a:r>
+          </a:p>
+          <a:p>
+            <a:r>
+              <a:rPr lang="en-US" dirty="0"/>
+              <a:t>Python tool to derive physical properties from galaxy photometric observations</a:t>
+            </a:r>
+          </a:p>
+        </p:txBody>
+      </p:sp>
+      <p:pic>
+        <p:nvPicPr>
+          <p:cNvPr id="5" name="Immagine 4" descr="Immagine che contiene cerchio, arte&#10;&#10;Descrizione generata automaticamente">
+            <a:extLst>
+              <a:ext uri="{FF2B5EF4-FFF2-40B4-BE49-F238E27FC236}">
+                <a16:creationId xmlns:a16="http://schemas.microsoft.com/office/drawing/2014/main" id="{89E1EAF9-E047-F0BE-E4F5-65D46AD212E0}"/>
+              </a:ext>
+            </a:extLst>
+          </p:cNvPr>
+          <p:cNvPicPr>
+            <a:picLocks noChangeAspect="1"/>
+          </p:cNvPicPr>
+          <p:nvPr/>
+        </p:nvPicPr>
+        <p:blipFill>
+          <a:blip r:embed="rId3"/>
+          <a:stretch>
+            <a:fillRect/>
+          </a:stretch>
+        </p:blipFill>
+        <p:spPr>
+          <a:xfrm>
+            <a:off x="6760464" y="2030290"/>
+            <a:ext cx="3200400" cy="1485900"/>
+          </a:xfrm>
+          <a:prstGeom prst="rect">
+            <a:avLst/>
+          </a:prstGeom>
+        </p:spPr>
+      </p:pic>
+      <p:pic>
+        <p:nvPicPr>
+          <p:cNvPr id="10" name="Immagine 9" descr="Immagine che contiene cerchio, bicicletta&#10;&#10;Descrizione generata automaticamente">
+            <a:extLst>
+              <a:ext uri="{FF2B5EF4-FFF2-40B4-BE49-F238E27FC236}">
+                <a16:creationId xmlns:a16="http://schemas.microsoft.com/office/drawing/2014/main" id="{E2523A72-4646-6EA0-15EE-1A6834CBB7CA}"/>
+              </a:ext>
+            </a:extLst>
+          </p:cNvPr>
+          <p:cNvPicPr>
+            <a:picLocks noChangeAspect="1"/>
+          </p:cNvPicPr>
+          <p:nvPr/>
+        </p:nvPicPr>
+        <p:blipFill>
+          <a:blip r:embed="rId4"/>
+          <a:stretch>
+            <a:fillRect/>
+          </a:stretch>
+        </p:blipFill>
+        <p:spPr>
+          <a:xfrm>
+            <a:off x="7283349" y="3832216"/>
+            <a:ext cx="2163849" cy="2163849"/>
+          </a:xfrm>
+          <a:prstGeom prst="rect">
+            <a:avLst/>
+          </a:prstGeom>
+        </p:spPr>
+      </p:pic>
     </p:spTree>
     <p:extLst>
       <p:ext uri="{BB962C8B-B14F-4D97-AF65-F5344CB8AC3E}">
@@ -5980,13 +6552,13 @@
   <p:clrMapOvr>
     <a:masterClrMapping/>
   </p:clrMapOvr>
-  <mc:AlternateContent xmlns:mc="http://schemas.openxmlformats.org/markup-compatibility/2006">
-    <mc:Choice xmlns:p14="http://schemas.microsoft.com/office/powerpoint/2010/main" Requires="p14">
+  <mc:AlternateContent xmlns:mc="http://schemas.openxmlformats.org/markup-compatibility/2006" xmlns:p14="http://schemas.microsoft.com/office/powerpoint/2010/main">
+    <mc:Choice Requires="p14">
       <p:transition spd="med" p14:dur="700">
         <p:fade/>
       </p:transition>
     </mc:Choice>
-    <mc:Fallback>
+    <mc:Fallback xmlns="">
       <p:transition spd="med">
         <p:fade/>
       </p:transition>
@@ -6056,45 +6628,824 @@
           </a:p>
         </p:txBody>
       </p:sp>
-      <p:sp>
-        <p:nvSpPr>
-          <p:cNvPr id="3" name="Segnaposto contenuto 2">
-            <a:extLst>
-              <a:ext uri="{FF2B5EF4-FFF2-40B4-BE49-F238E27FC236}">
-                <a16:creationId xmlns:a16="http://schemas.microsoft.com/office/drawing/2014/main" id="{6803CA10-7EC5-78A7-2CF6-304C557B162C}"/>
-              </a:ext>
-            </a:extLst>
-          </p:cNvPr>
-          <p:cNvSpPr>
-            <a:spLocks noGrp="1"/>
-          </p:cNvSpPr>
-          <p:nvPr>
-            <p:ph idx="1"/>
-          </p:nvPr>
-        </p:nvSpPr>
-        <p:spPr>
-          <a:xfrm>
-            <a:off x="2231136" y="2022764"/>
-            <a:ext cx="7729728" cy="4347249"/>
-          </a:xfrm>
-        </p:spPr>
-        <p:txBody>
-          <a:bodyPr/>
-          <a:lstStyle/>
-          <a:p>
-            <a:r>
-              <a:rPr lang="en-US" dirty="0"/>
-              <a:t>Closed box</a:t>
-            </a:r>
-          </a:p>
-          <a:p>
-            <a:r>
-              <a:rPr lang="en-US" dirty="0"/>
-              <a:t>Opened box</a:t>
-            </a:r>
-          </a:p>
-        </p:txBody>
-      </p:sp>
+      <mc:AlternateContent xmlns:mc="http://schemas.openxmlformats.org/markup-compatibility/2006">
+        <mc:Choice xmlns:a14="http://schemas.microsoft.com/office/drawing/2010/main" Requires="a14">
+          <p:sp>
+            <p:nvSpPr>
+              <p:cNvPr id="3" name="Segnaposto contenuto 2">
+                <a:extLst>
+                  <a:ext uri="{FF2B5EF4-FFF2-40B4-BE49-F238E27FC236}">
+                    <a16:creationId xmlns:a16="http://schemas.microsoft.com/office/drawing/2014/main" id="{6803CA10-7EC5-78A7-2CF6-304C557B162C}"/>
+                  </a:ext>
+                </a:extLst>
+              </p:cNvPr>
+              <p:cNvSpPr>
+                <a:spLocks noGrp="1"/>
+              </p:cNvSpPr>
+              <p:nvPr>
+                <p:ph idx="1"/>
+              </p:nvPr>
+            </p:nvSpPr>
+            <p:spPr>
+              <a:xfrm>
+                <a:off x="2231136" y="2022764"/>
+                <a:ext cx="7729728" cy="4347249"/>
+              </a:xfrm>
+            </p:spPr>
+            <p:txBody>
+              <a:bodyPr>
+                <a:normAutofit/>
+              </a:bodyPr>
+              <a:lstStyle/>
+              <a:p>
+                <a:pPr marL="0" indent="0" algn="ctr">
+                  <a:buNone/>
+                </a:pPr>
+                <a:r>
+                  <a:rPr lang="en-US" sz="2400" b="1" dirty="0"/>
+                  <a:t>Closed box</a:t>
+                </a:r>
+              </a:p>
+              <a:p>
+                <a:pPr marL="0" indent="0" algn="ctr">
+                  <a:buNone/>
+                </a:pPr>
+                <a14:m>
+                  <m:oMath xmlns:m="http://schemas.openxmlformats.org/officeDocument/2006/math">
+                    <m:r>
+                      <a:rPr lang="it-IT" sz="2400" b="0" i="1" smtClean="0">
+                        <a:latin typeface="Cambria Math" panose="02040503050406030204" pitchFamily="18" charset="0"/>
+                      </a:rPr>
+                      <m:t>𝑠𝑆𝐹𝑅</m:t>
+                    </m:r>
+                    <m:r>
+                      <a:rPr lang="it-IT" sz="2400" i="1">
+                        <a:latin typeface="Cambria Math" panose="02040503050406030204" pitchFamily="18" charset="0"/>
+                        <a:ea typeface="Cambria Math" panose="02040503050406030204" pitchFamily="18" charset="0"/>
+                      </a:rPr>
+                      <m:t>≃</m:t>
+                    </m:r>
+                    <m:r>
+                      <a:rPr lang="it-IT" sz="2400" i="1" smtClean="0">
+                        <a:latin typeface="Cambria Math" panose="02040503050406030204" pitchFamily="18" charset="0"/>
+                        <a:ea typeface="Cambria Math" panose="02040503050406030204" pitchFamily="18" charset="0"/>
+                      </a:rPr>
+                      <m:t>𝜀</m:t>
+                    </m:r>
+                    <m:r>
+                      <a:rPr lang="it-IT" sz="2400" b="0" i="1" smtClean="0">
+                        <a:latin typeface="Cambria Math" panose="02040503050406030204" pitchFamily="18" charset="0"/>
+                        <a:ea typeface="Cambria Math" panose="02040503050406030204" pitchFamily="18" charset="0"/>
+                      </a:rPr>
+                      <m:t>′</m:t>
+                    </m:r>
+                    <m:f>
+                      <m:fPr>
+                        <m:ctrlPr>
+                          <a:rPr lang="it-IT" sz="2400" b="0" i="1" smtClean="0">
+                            <a:latin typeface="Cambria Math" panose="02040503050406030204" pitchFamily="18" charset="0"/>
+                            <a:ea typeface="Cambria Math" panose="02040503050406030204" pitchFamily="18" charset="0"/>
+                          </a:rPr>
+                        </m:ctrlPr>
+                      </m:fPr>
+                      <m:num>
+                        <m:sSup>
+                          <m:sSupPr>
+                            <m:ctrlPr>
+                              <a:rPr lang="it-IT" sz="2400" b="0" i="1" smtClean="0">
+                                <a:latin typeface="Cambria Math" panose="02040503050406030204" pitchFamily="18" charset="0"/>
+                                <a:ea typeface="Cambria Math" panose="02040503050406030204" pitchFamily="18" charset="0"/>
+                              </a:rPr>
+                            </m:ctrlPr>
+                          </m:sSupPr>
+                          <m:e>
+                            <m:r>
+                              <a:rPr lang="it-IT" sz="2400" b="0" i="1" smtClean="0">
+                                <a:latin typeface="Cambria Math" panose="02040503050406030204" pitchFamily="18" charset="0"/>
+                                <a:ea typeface="Cambria Math" panose="02040503050406030204" pitchFamily="18" charset="0"/>
+                              </a:rPr>
+                              <m:t>𝑒</m:t>
+                            </m:r>
+                          </m:e>
+                          <m:sup>
+                            <m:r>
+                              <a:rPr lang="it-IT" sz="2400" b="0" i="1" smtClean="0">
+                                <a:latin typeface="Cambria Math" panose="02040503050406030204" pitchFamily="18" charset="0"/>
+                                <a:ea typeface="Cambria Math" panose="02040503050406030204" pitchFamily="18" charset="0"/>
+                              </a:rPr>
+                              <m:t>−</m:t>
+                            </m:r>
+                            <m:r>
+                              <a:rPr lang="it-IT" sz="2400" i="1">
+                                <a:latin typeface="Cambria Math" panose="02040503050406030204" pitchFamily="18" charset="0"/>
+                                <a:ea typeface="Cambria Math" panose="02040503050406030204" pitchFamily="18" charset="0"/>
+                              </a:rPr>
+                              <m:t>𝜀</m:t>
+                            </m:r>
+                            <m:r>
+                              <a:rPr lang="it-IT" sz="2400" b="0" i="1" smtClean="0">
+                                <a:latin typeface="Cambria Math" panose="02040503050406030204" pitchFamily="18" charset="0"/>
+                                <a:ea typeface="Cambria Math" panose="02040503050406030204" pitchFamily="18" charset="0"/>
+                              </a:rPr>
+                              <m:t>′(</m:t>
+                            </m:r>
+                            <m:r>
+                              <a:rPr lang="it-IT" sz="2400" b="0" i="1" smtClean="0">
+                                <a:latin typeface="Cambria Math" panose="02040503050406030204" pitchFamily="18" charset="0"/>
+                                <a:ea typeface="Cambria Math" panose="02040503050406030204" pitchFamily="18" charset="0"/>
+                              </a:rPr>
+                              <m:t>𝑡</m:t>
+                            </m:r>
+                            <m:r>
+                              <a:rPr lang="it-IT" sz="2400" b="0" i="1" smtClean="0">
+                                <a:latin typeface="Cambria Math" panose="02040503050406030204" pitchFamily="18" charset="0"/>
+                                <a:ea typeface="Cambria Math" panose="02040503050406030204" pitchFamily="18" charset="0"/>
+                              </a:rPr>
+                              <m:t>−</m:t>
+                            </m:r>
+                            <m:sSub>
+                              <m:sSubPr>
+                                <m:ctrlPr>
+                                  <a:rPr lang="it-IT" sz="2400" b="0" i="1" smtClean="0">
+                                    <a:latin typeface="Cambria Math" panose="02040503050406030204" pitchFamily="18" charset="0"/>
+                                    <a:ea typeface="Cambria Math" panose="02040503050406030204" pitchFamily="18" charset="0"/>
+                                  </a:rPr>
+                                </m:ctrlPr>
+                              </m:sSubPr>
+                              <m:e>
+                                <m:r>
+                                  <a:rPr lang="it-IT" sz="2400" b="0" i="1" smtClean="0">
+                                    <a:latin typeface="Cambria Math" panose="02040503050406030204" pitchFamily="18" charset="0"/>
+                                    <a:ea typeface="Cambria Math" panose="02040503050406030204" pitchFamily="18" charset="0"/>
+                                  </a:rPr>
+                                  <m:t>𝑡</m:t>
+                                </m:r>
+                              </m:e>
+                              <m:sub>
+                                <m:r>
+                                  <a:rPr lang="it-IT" sz="2400" b="0" i="1" smtClean="0">
+                                    <a:latin typeface="Cambria Math" panose="02040503050406030204" pitchFamily="18" charset="0"/>
+                                    <a:ea typeface="Cambria Math" panose="02040503050406030204" pitchFamily="18" charset="0"/>
+                                  </a:rPr>
+                                  <m:t>0</m:t>
+                                </m:r>
+                              </m:sub>
+                            </m:sSub>
+                            <m:r>
+                              <a:rPr lang="it-IT" sz="2400" b="0" i="1" smtClean="0">
+                                <a:latin typeface="Cambria Math" panose="02040503050406030204" pitchFamily="18" charset="0"/>
+                              </a:rPr>
+                              <m:t>)</m:t>
+                            </m:r>
+                          </m:sup>
+                        </m:sSup>
+                      </m:num>
+                      <m:den>
+                        <m:r>
+                          <a:rPr lang="it-IT" sz="2400" b="0" i="1" smtClean="0">
+                            <a:latin typeface="Cambria Math" panose="02040503050406030204" pitchFamily="18" charset="0"/>
+                            <a:ea typeface="Cambria Math" panose="02040503050406030204" pitchFamily="18" charset="0"/>
+                          </a:rPr>
+                          <m:t>1−</m:t>
+                        </m:r>
+                        <m:sSup>
+                          <m:sSupPr>
+                            <m:ctrlPr>
+                              <a:rPr lang="it-IT" sz="2400" i="1">
+                                <a:latin typeface="Cambria Math" panose="02040503050406030204" pitchFamily="18" charset="0"/>
+                                <a:ea typeface="Cambria Math" panose="02040503050406030204" pitchFamily="18" charset="0"/>
+                              </a:rPr>
+                            </m:ctrlPr>
+                          </m:sSupPr>
+                          <m:e>
+                            <m:r>
+                              <a:rPr lang="it-IT" sz="2400" i="1">
+                                <a:latin typeface="Cambria Math" panose="02040503050406030204" pitchFamily="18" charset="0"/>
+                                <a:ea typeface="Cambria Math" panose="02040503050406030204" pitchFamily="18" charset="0"/>
+                              </a:rPr>
+                              <m:t>𝑒</m:t>
+                            </m:r>
+                          </m:e>
+                          <m:sup>
+                            <m:r>
+                              <a:rPr lang="it-IT" sz="2400" i="1">
+                                <a:latin typeface="Cambria Math" panose="02040503050406030204" pitchFamily="18" charset="0"/>
+                                <a:ea typeface="Cambria Math" panose="02040503050406030204" pitchFamily="18" charset="0"/>
+                              </a:rPr>
+                              <m:t>−</m:t>
+                            </m:r>
+                            <m:r>
+                              <a:rPr lang="it-IT" sz="2400" i="1">
+                                <a:latin typeface="Cambria Math" panose="02040503050406030204" pitchFamily="18" charset="0"/>
+                                <a:ea typeface="Cambria Math" panose="02040503050406030204" pitchFamily="18" charset="0"/>
+                              </a:rPr>
+                              <m:t>𝜀</m:t>
+                            </m:r>
+                            <m:r>
+                              <a:rPr lang="it-IT" sz="2400" i="1">
+                                <a:latin typeface="Cambria Math" panose="02040503050406030204" pitchFamily="18" charset="0"/>
+                                <a:ea typeface="Cambria Math" panose="02040503050406030204" pitchFamily="18" charset="0"/>
+                              </a:rPr>
+                              <m:t>′(</m:t>
+                            </m:r>
+                            <m:r>
+                              <a:rPr lang="it-IT" sz="2400" i="1">
+                                <a:latin typeface="Cambria Math" panose="02040503050406030204" pitchFamily="18" charset="0"/>
+                                <a:ea typeface="Cambria Math" panose="02040503050406030204" pitchFamily="18" charset="0"/>
+                              </a:rPr>
+                              <m:t>𝑡</m:t>
+                            </m:r>
+                            <m:r>
+                              <a:rPr lang="it-IT" sz="2400" i="1">
+                                <a:latin typeface="Cambria Math" panose="02040503050406030204" pitchFamily="18" charset="0"/>
+                                <a:ea typeface="Cambria Math" panose="02040503050406030204" pitchFamily="18" charset="0"/>
+                              </a:rPr>
+                              <m:t>−</m:t>
+                            </m:r>
+                            <m:sSub>
+                              <m:sSubPr>
+                                <m:ctrlPr>
+                                  <a:rPr lang="it-IT" sz="2400" i="1">
+                                    <a:latin typeface="Cambria Math" panose="02040503050406030204" pitchFamily="18" charset="0"/>
+                                    <a:ea typeface="Cambria Math" panose="02040503050406030204" pitchFamily="18" charset="0"/>
+                                  </a:rPr>
+                                </m:ctrlPr>
+                              </m:sSubPr>
+                              <m:e>
+                                <m:r>
+                                  <a:rPr lang="it-IT" sz="2400" i="1">
+                                    <a:latin typeface="Cambria Math" panose="02040503050406030204" pitchFamily="18" charset="0"/>
+                                    <a:ea typeface="Cambria Math" panose="02040503050406030204" pitchFamily="18" charset="0"/>
+                                  </a:rPr>
+                                  <m:t>𝑡</m:t>
+                                </m:r>
+                              </m:e>
+                              <m:sub>
+                                <m:r>
+                                  <a:rPr lang="it-IT" sz="2400" i="1">
+                                    <a:latin typeface="Cambria Math" panose="02040503050406030204" pitchFamily="18" charset="0"/>
+                                    <a:ea typeface="Cambria Math" panose="02040503050406030204" pitchFamily="18" charset="0"/>
+                                  </a:rPr>
+                                  <m:t>0</m:t>
+                                </m:r>
+                              </m:sub>
+                            </m:sSub>
+                            <m:r>
+                              <a:rPr lang="it-IT" sz="2400" i="1">
+                                <a:latin typeface="Cambria Math" panose="02040503050406030204" pitchFamily="18" charset="0"/>
+                              </a:rPr>
+                              <m:t>)</m:t>
+                            </m:r>
+                          </m:sup>
+                        </m:sSup>
+                      </m:den>
+                    </m:f>
+                  </m:oMath>
+                </a14:m>
+                <a:r>
+                  <a:rPr lang="en-US" sz="2000" dirty="0"/>
+                  <a:t>  with  </a:t>
+                </a:r>
+                <a14:m>
+                  <m:oMath xmlns:m="http://schemas.openxmlformats.org/officeDocument/2006/math">
+                    <m:sSup>
+                      <m:sSupPr>
+                        <m:ctrlPr>
+                          <a:rPr lang="it-IT" sz="2000" b="0" i="1" smtClean="0">
+                            <a:latin typeface="Cambria Math" panose="02040503050406030204" pitchFamily="18" charset="0"/>
+                            <a:ea typeface="Cambria Math" panose="02040503050406030204" pitchFamily="18" charset="0"/>
+                          </a:rPr>
+                        </m:ctrlPr>
+                      </m:sSupPr>
+                      <m:e>
+                        <m:r>
+                          <a:rPr lang="en-US" sz="2000" i="1" smtClean="0">
+                            <a:latin typeface="Cambria Math" panose="02040503050406030204" pitchFamily="18" charset="0"/>
+                            <a:ea typeface="Cambria Math" panose="02040503050406030204" pitchFamily="18" charset="0"/>
+                          </a:rPr>
+                          <m:t>𝜀</m:t>
+                        </m:r>
+                      </m:e>
+                      <m:sup>
+                        <m:r>
+                          <a:rPr lang="it-IT" sz="2000" b="0" i="1" smtClean="0">
+                            <a:latin typeface="Cambria Math" panose="02040503050406030204" pitchFamily="18" charset="0"/>
+                            <a:ea typeface="Cambria Math" panose="02040503050406030204" pitchFamily="18" charset="0"/>
+                          </a:rPr>
+                          <m:t>′</m:t>
+                        </m:r>
+                      </m:sup>
+                    </m:sSup>
+                    <m:r>
+                      <a:rPr lang="it-IT" sz="2000" b="0" i="1" smtClean="0">
+                        <a:latin typeface="Cambria Math" panose="02040503050406030204" pitchFamily="18" charset="0"/>
+                        <a:ea typeface="Cambria Math" panose="02040503050406030204" pitchFamily="18" charset="0"/>
+                      </a:rPr>
+                      <m:t>=</m:t>
+                    </m:r>
+                    <m:f>
+                      <m:fPr>
+                        <m:type m:val="skw"/>
+                        <m:ctrlPr>
+                          <a:rPr lang="it-IT" sz="2000" b="0" i="1" smtClean="0">
+                            <a:latin typeface="Cambria Math" panose="02040503050406030204" pitchFamily="18" charset="0"/>
+                            <a:ea typeface="Cambria Math" panose="02040503050406030204" pitchFamily="18" charset="0"/>
+                          </a:rPr>
+                        </m:ctrlPr>
+                      </m:fPr>
+                      <m:num>
+                        <m:r>
+                          <a:rPr lang="it-IT" sz="2000" b="0" i="1" smtClean="0">
+                            <a:latin typeface="Cambria Math" panose="02040503050406030204" pitchFamily="18" charset="0"/>
+                            <a:ea typeface="Cambria Math" panose="02040503050406030204" pitchFamily="18" charset="0"/>
+                          </a:rPr>
+                          <m:t>0.02</m:t>
+                        </m:r>
+                      </m:num>
+                      <m:den>
+                        <m:sSub>
+                          <m:sSubPr>
+                            <m:ctrlPr>
+                              <a:rPr lang="it-IT" sz="2000" b="0" i="1" smtClean="0">
+                                <a:latin typeface="Cambria Math" panose="02040503050406030204" pitchFamily="18" charset="0"/>
+                                <a:ea typeface="Cambria Math" panose="02040503050406030204" pitchFamily="18" charset="0"/>
+                              </a:rPr>
+                            </m:ctrlPr>
+                          </m:sSubPr>
+                          <m:e>
+                            <m:r>
+                              <a:rPr lang="it-IT" sz="2000" b="0" i="1" smtClean="0">
+                                <a:latin typeface="Cambria Math" panose="02040503050406030204" pitchFamily="18" charset="0"/>
+                                <a:ea typeface="Cambria Math" panose="02040503050406030204" pitchFamily="18" charset="0"/>
+                              </a:rPr>
+                              <m:t>𝑡</m:t>
+                            </m:r>
+                          </m:e>
+                          <m:sub>
+                            <m:r>
+                              <a:rPr lang="it-IT" sz="2000" b="0" i="1" smtClean="0">
+                                <a:latin typeface="Cambria Math" panose="02040503050406030204" pitchFamily="18" charset="0"/>
+                                <a:ea typeface="Cambria Math" panose="02040503050406030204" pitchFamily="18" charset="0"/>
+                              </a:rPr>
+                              <m:t>𝑑𝑦𝑛</m:t>
+                            </m:r>
+                          </m:sub>
+                        </m:sSub>
+                      </m:den>
+                    </m:f>
+                  </m:oMath>
+                </a14:m>
+                <a:endParaRPr lang="en-US" sz="2000" dirty="0"/>
+              </a:p>
+              <a:p>
+                <a:pPr marL="0" indent="0" algn="ctr">
+                  <a:buNone/>
+                </a:pPr>
+                <a:endParaRPr lang="en-US" sz="2000" dirty="0"/>
+              </a:p>
+              <a:p>
+                <a:pPr marL="0" indent="0" algn="ctr">
+                  <a:buNone/>
+                </a:pPr>
+                <a:endParaRPr lang="en-US" sz="2000" dirty="0"/>
+              </a:p>
+              <a:p>
+                <a:pPr marL="0" indent="0" algn="ctr">
+                  <a:buNone/>
+                </a:pPr>
+                <a:r>
+                  <a:rPr lang="en-US" sz="2400" b="1" dirty="0"/>
+                  <a:t>Opened box</a:t>
+                </a:r>
+              </a:p>
+              <a:p>
+                <a:pPr marL="0" indent="0" algn="ctr">
+                  <a:buNone/>
+                </a:pPr>
+                <a14:m>
+                  <m:oMath xmlns:m="http://schemas.openxmlformats.org/officeDocument/2006/math">
+                    <m:r>
+                      <a:rPr lang="it-IT" sz="2400" b="0" i="1" smtClean="0">
+                        <a:latin typeface="Cambria Math" panose="02040503050406030204" pitchFamily="18" charset="0"/>
+                      </a:rPr>
+                      <m:t>𝑠𝑆𝐹𝑅</m:t>
+                    </m:r>
+                    <m:r>
+                      <a:rPr lang="it-IT" sz="2400" b="0" i="1" smtClean="0">
+                        <a:latin typeface="Cambria Math" panose="02040503050406030204" pitchFamily="18" charset="0"/>
+                        <a:ea typeface="Cambria Math" panose="02040503050406030204" pitchFamily="18" charset="0"/>
+                      </a:rPr>
+                      <m:t>≃</m:t>
+                    </m:r>
+                    <m:f>
+                      <m:fPr>
+                        <m:ctrlPr>
+                          <a:rPr lang="it-IT" sz="2400" b="0" i="1" smtClean="0">
+                            <a:latin typeface="Cambria Math" panose="02040503050406030204" pitchFamily="18" charset="0"/>
+                            <a:ea typeface="Cambria Math" panose="02040503050406030204" pitchFamily="18" charset="0"/>
+                          </a:rPr>
+                        </m:ctrlPr>
+                      </m:fPr>
+                      <m:num>
+                        <m:sSubSup>
+                          <m:sSubSupPr>
+                            <m:ctrlPr>
+                              <a:rPr lang="it-IT" sz="2400" b="0" i="1" smtClean="0">
+                                <a:latin typeface="Cambria Math" panose="02040503050406030204" pitchFamily="18" charset="0"/>
+                                <a:ea typeface="Cambria Math" panose="02040503050406030204" pitchFamily="18" charset="0"/>
+                              </a:rPr>
+                            </m:ctrlPr>
+                          </m:sSubSupPr>
+                          <m:e>
+                            <m:acc>
+                              <m:accPr>
+                                <m:chr m:val="̇"/>
+                                <m:ctrlPr>
+                                  <a:rPr lang="it-IT" sz="2400" b="0" i="1" smtClean="0">
+                                    <a:latin typeface="Cambria Math" panose="02040503050406030204" pitchFamily="18" charset="0"/>
+                                    <a:ea typeface="Cambria Math" panose="02040503050406030204" pitchFamily="18" charset="0"/>
+                                  </a:rPr>
+                                </m:ctrlPr>
+                              </m:accPr>
+                              <m:e>
+                                <m:r>
+                                  <a:rPr lang="it-IT" sz="2400" b="0" i="1" smtClean="0">
+                                    <a:latin typeface="Cambria Math" panose="02040503050406030204" pitchFamily="18" charset="0"/>
+                                    <a:ea typeface="Cambria Math" panose="02040503050406030204" pitchFamily="18" charset="0"/>
+                                  </a:rPr>
+                                  <m:t>𝑀</m:t>
+                                </m:r>
+                              </m:e>
+                            </m:acc>
+                          </m:e>
+                          <m:sub>
+                            <m:r>
+                              <a:rPr lang="it-IT" sz="2400" b="0" i="1" smtClean="0">
+                                <a:latin typeface="Cambria Math" panose="02040503050406030204" pitchFamily="18" charset="0"/>
+                                <a:ea typeface="Cambria Math" panose="02040503050406030204" pitchFamily="18" charset="0"/>
+                              </a:rPr>
+                              <m:t>𝑔𝑎𝑠</m:t>
+                            </m:r>
+                          </m:sub>
+                          <m:sup>
+                            <m:r>
+                              <a:rPr lang="it-IT" sz="2400" b="0" i="1" smtClean="0">
+                                <a:latin typeface="Cambria Math" panose="02040503050406030204" pitchFamily="18" charset="0"/>
+                                <a:ea typeface="Cambria Math" panose="02040503050406030204" pitchFamily="18" charset="0"/>
+                              </a:rPr>
+                              <m:t>𝑖𝑛</m:t>
+                            </m:r>
+                          </m:sup>
+                        </m:sSubSup>
+                      </m:num>
+                      <m:den>
+                        <m:sSub>
+                          <m:sSubPr>
+                            <m:ctrlPr>
+                              <a:rPr lang="it-IT" sz="2400" b="0" i="1" smtClean="0">
+                                <a:latin typeface="Cambria Math" panose="02040503050406030204" pitchFamily="18" charset="0"/>
+                                <a:ea typeface="Cambria Math" panose="02040503050406030204" pitchFamily="18" charset="0"/>
+                              </a:rPr>
+                            </m:ctrlPr>
+                          </m:sSubPr>
+                          <m:e>
+                            <m:r>
+                              <a:rPr lang="it-IT" sz="2400" b="0" i="1" smtClean="0">
+                                <a:latin typeface="Cambria Math" panose="02040503050406030204" pitchFamily="18" charset="0"/>
+                                <a:ea typeface="Cambria Math" panose="02040503050406030204" pitchFamily="18" charset="0"/>
+                              </a:rPr>
+                              <m:t>𝑀</m:t>
+                            </m:r>
+                          </m:e>
+                          <m:sub>
+                            <m:r>
+                              <a:rPr lang="it-IT" sz="2400" b="0" i="1" smtClean="0">
+                                <a:latin typeface="Cambria Math" panose="02040503050406030204" pitchFamily="18" charset="0"/>
+                                <a:ea typeface="Cambria Math" panose="02040503050406030204" pitchFamily="18" charset="0"/>
+                              </a:rPr>
+                              <m:t>∗</m:t>
+                            </m:r>
+                          </m:sub>
+                        </m:sSub>
+                        <m:r>
+                          <a:rPr lang="it-IT" sz="2400" b="0" i="1" smtClean="0">
+                            <a:latin typeface="Cambria Math" panose="02040503050406030204" pitchFamily="18" charset="0"/>
+                            <a:ea typeface="Cambria Math" panose="02040503050406030204" pitchFamily="18" charset="0"/>
+                          </a:rPr>
+                          <m:t>(1+</m:t>
+                        </m:r>
+                        <m:r>
+                          <a:rPr lang="it-IT" sz="2400" b="0" i="1" smtClean="0">
+                            <a:latin typeface="Cambria Math" panose="02040503050406030204" pitchFamily="18" charset="0"/>
+                            <a:ea typeface="Cambria Math" panose="02040503050406030204" pitchFamily="18" charset="0"/>
+                          </a:rPr>
+                          <m:t>𝜂</m:t>
+                        </m:r>
+                        <m:r>
+                          <a:rPr lang="it-IT" sz="2400" b="0" i="1" smtClean="0">
+                            <a:latin typeface="Cambria Math" panose="02040503050406030204" pitchFamily="18" charset="0"/>
+                            <a:ea typeface="Cambria Math" panose="02040503050406030204" pitchFamily="18" charset="0"/>
+                          </a:rPr>
+                          <m:t>+</m:t>
+                        </m:r>
+                        <m:r>
+                          <a:rPr lang="it-IT" sz="2400" b="0" i="1" smtClean="0">
+                            <a:latin typeface="Cambria Math" panose="02040503050406030204" pitchFamily="18" charset="0"/>
+                            <a:ea typeface="Cambria Math" panose="02040503050406030204" pitchFamily="18" charset="0"/>
+                          </a:rPr>
+                          <m:t>𝑅</m:t>
+                        </m:r>
+                        <m:r>
+                          <a:rPr lang="it-IT" sz="2400" b="0" i="1" smtClean="0">
+                            <a:latin typeface="Cambria Math" panose="02040503050406030204" pitchFamily="18" charset="0"/>
+                            <a:ea typeface="Cambria Math" panose="02040503050406030204" pitchFamily="18" charset="0"/>
+                          </a:rPr>
+                          <m:t>)</m:t>
+                        </m:r>
+                      </m:den>
+                    </m:f>
+                    <m:r>
+                      <a:rPr lang="it-IT" sz="2400" b="0" i="1" smtClean="0">
+                        <a:latin typeface="Cambria Math" panose="02040503050406030204" pitchFamily="18" charset="0"/>
+                      </a:rPr>
+                      <m:t> </m:t>
+                    </m:r>
+                  </m:oMath>
+                </a14:m>
+                <a:r>
+                  <a:rPr lang="en-US" sz="2000" dirty="0"/>
+                  <a:t> with  </a:t>
+                </a:r>
+                <a14:m>
+                  <m:oMath xmlns:m="http://schemas.openxmlformats.org/officeDocument/2006/math">
+                    <m:sSubSup>
+                      <m:sSubSupPr>
+                        <m:ctrlPr>
+                          <a:rPr lang="it-IT" sz="2000" i="1">
+                            <a:latin typeface="Cambria Math" panose="02040503050406030204" pitchFamily="18" charset="0"/>
+                            <a:ea typeface="Cambria Math" panose="02040503050406030204" pitchFamily="18" charset="0"/>
+                          </a:rPr>
+                        </m:ctrlPr>
+                      </m:sSubSupPr>
+                      <m:e>
+                        <m:acc>
+                          <m:accPr>
+                            <m:chr m:val="̇"/>
+                            <m:ctrlPr>
+                              <a:rPr lang="it-IT" sz="2000" i="1">
+                                <a:latin typeface="Cambria Math" panose="02040503050406030204" pitchFamily="18" charset="0"/>
+                                <a:ea typeface="Cambria Math" panose="02040503050406030204" pitchFamily="18" charset="0"/>
+                              </a:rPr>
+                            </m:ctrlPr>
+                          </m:accPr>
+                          <m:e>
+                            <m:r>
+                              <a:rPr lang="it-IT" sz="2000" i="1">
+                                <a:latin typeface="Cambria Math" panose="02040503050406030204" pitchFamily="18" charset="0"/>
+                                <a:ea typeface="Cambria Math" panose="02040503050406030204" pitchFamily="18" charset="0"/>
+                              </a:rPr>
+                              <m:t>𝑀</m:t>
+                            </m:r>
+                          </m:e>
+                        </m:acc>
+                      </m:e>
+                      <m:sub>
+                        <m:r>
+                          <a:rPr lang="it-IT" sz="2000" i="1">
+                            <a:latin typeface="Cambria Math" panose="02040503050406030204" pitchFamily="18" charset="0"/>
+                            <a:ea typeface="Cambria Math" panose="02040503050406030204" pitchFamily="18" charset="0"/>
+                          </a:rPr>
+                          <m:t>𝑔𝑎𝑠</m:t>
+                        </m:r>
+                      </m:sub>
+                      <m:sup>
+                        <m:r>
+                          <a:rPr lang="it-IT" sz="2000" i="1">
+                            <a:latin typeface="Cambria Math" panose="02040503050406030204" pitchFamily="18" charset="0"/>
+                            <a:ea typeface="Cambria Math" panose="02040503050406030204" pitchFamily="18" charset="0"/>
+                          </a:rPr>
+                          <m:t>𝑖𝑛</m:t>
+                        </m:r>
+                      </m:sup>
+                    </m:sSubSup>
+                    <m:r>
+                      <a:rPr lang="it-IT" sz="2000" i="1">
+                        <a:latin typeface="Cambria Math" panose="02040503050406030204" pitchFamily="18" charset="0"/>
+                        <a:ea typeface="Cambria Math" panose="02040503050406030204" pitchFamily="18" charset="0"/>
+                      </a:rPr>
+                      <m:t>∝</m:t>
+                    </m:r>
+                    <m:sSub>
+                      <m:sSubPr>
+                        <m:ctrlPr>
+                          <a:rPr lang="it-IT" sz="2000" i="1" smtClean="0">
+                            <a:latin typeface="Cambria Math" panose="02040503050406030204" pitchFamily="18" charset="0"/>
+                            <a:ea typeface="Cambria Math" panose="02040503050406030204" pitchFamily="18" charset="0"/>
+                          </a:rPr>
+                        </m:ctrlPr>
+                      </m:sSubPr>
+                      <m:e>
+                        <m:r>
+                          <a:rPr lang="it-IT" sz="2000" b="0" i="1" smtClean="0">
+                            <a:latin typeface="Cambria Math" panose="02040503050406030204" pitchFamily="18" charset="0"/>
+                            <a:ea typeface="Cambria Math" panose="02040503050406030204" pitchFamily="18" charset="0"/>
+                          </a:rPr>
+                          <m:t>𝐹</m:t>
+                        </m:r>
+                      </m:e>
+                      <m:sub>
+                        <m:r>
+                          <a:rPr lang="it-IT" sz="2000" b="0" i="1" smtClean="0">
+                            <a:latin typeface="Cambria Math" panose="02040503050406030204" pitchFamily="18" charset="0"/>
+                            <a:ea typeface="Cambria Math" panose="02040503050406030204" pitchFamily="18" charset="0"/>
+                          </a:rPr>
+                          <m:t>𝑏</m:t>
+                        </m:r>
+                      </m:sub>
+                    </m:sSub>
+                    <m:r>
+                      <a:rPr lang="it-IT" sz="2000" i="1" smtClean="0">
+                        <a:latin typeface="Cambria Math" panose="02040503050406030204" pitchFamily="18" charset="0"/>
+                        <a:ea typeface="Cambria Math" panose="02040503050406030204" pitchFamily="18" charset="0"/>
+                      </a:rPr>
+                      <m:t>∙</m:t>
+                    </m:r>
+                    <m:sSub>
+                      <m:sSubPr>
+                        <m:ctrlPr>
+                          <a:rPr lang="it-IT" sz="2000" i="1" smtClean="0">
+                            <a:latin typeface="Cambria Math" panose="02040503050406030204" pitchFamily="18" charset="0"/>
+                            <a:ea typeface="Cambria Math" panose="02040503050406030204" pitchFamily="18" charset="0"/>
+                          </a:rPr>
+                        </m:ctrlPr>
+                      </m:sSubPr>
+                      <m:e>
+                        <m:r>
+                          <a:rPr lang="it-IT" sz="2000" b="0" i="1" smtClean="0">
+                            <a:latin typeface="Cambria Math" panose="02040503050406030204" pitchFamily="18" charset="0"/>
+                            <a:ea typeface="Cambria Math" panose="02040503050406030204" pitchFamily="18" charset="0"/>
+                          </a:rPr>
+                          <m:t>𝑀</m:t>
+                        </m:r>
+                      </m:e>
+                      <m:sub>
+                        <m:r>
+                          <a:rPr lang="it-IT" sz="2000" b="0" i="1" smtClean="0">
+                            <a:latin typeface="Cambria Math" panose="02040503050406030204" pitchFamily="18" charset="0"/>
+                            <a:ea typeface="Cambria Math" panose="02040503050406030204" pitchFamily="18" charset="0"/>
+                          </a:rPr>
+                          <m:t>𝑣𝑖𝑟</m:t>
+                        </m:r>
+                      </m:sub>
+                    </m:sSub>
+                    <m:r>
+                      <a:rPr lang="it-IT" sz="2000" i="1" smtClean="0">
+                        <a:latin typeface="Cambria Math" panose="02040503050406030204" pitchFamily="18" charset="0"/>
+                        <a:ea typeface="Cambria Math" panose="02040503050406030204" pitchFamily="18" charset="0"/>
+                      </a:rPr>
+                      <m:t>∙</m:t>
+                    </m:r>
+                    <m:sSup>
+                      <m:sSupPr>
+                        <m:ctrlPr>
+                          <a:rPr lang="it-IT" sz="2000" i="1" smtClean="0">
+                            <a:latin typeface="Cambria Math" panose="02040503050406030204" pitchFamily="18" charset="0"/>
+                            <a:ea typeface="Cambria Math" panose="02040503050406030204" pitchFamily="18" charset="0"/>
+                          </a:rPr>
+                        </m:ctrlPr>
+                      </m:sSupPr>
+                      <m:e>
+                        <m:r>
+                          <a:rPr lang="it-IT" sz="2000" b="0" i="1" smtClean="0">
+                            <a:latin typeface="Cambria Math" panose="02040503050406030204" pitchFamily="18" charset="0"/>
+                            <a:ea typeface="Cambria Math" panose="02040503050406030204" pitchFamily="18" charset="0"/>
+                          </a:rPr>
+                          <m:t>(1+</m:t>
+                        </m:r>
+                        <m:r>
+                          <a:rPr lang="it-IT" sz="2000" b="0" i="1" smtClean="0">
+                            <a:latin typeface="Cambria Math" panose="02040503050406030204" pitchFamily="18" charset="0"/>
+                            <a:ea typeface="Cambria Math" panose="02040503050406030204" pitchFamily="18" charset="0"/>
+                          </a:rPr>
+                          <m:t>𝑧</m:t>
+                        </m:r>
+                        <m:r>
+                          <a:rPr lang="it-IT" sz="2000" b="0" i="1" smtClean="0">
+                            <a:latin typeface="Cambria Math" panose="02040503050406030204" pitchFamily="18" charset="0"/>
+                            <a:ea typeface="Cambria Math" panose="02040503050406030204" pitchFamily="18" charset="0"/>
+                          </a:rPr>
+                          <m:t>)</m:t>
+                        </m:r>
+                      </m:e>
+                      <m:sup>
+                        <m:r>
+                          <a:rPr lang="it-IT" sz="2000" b="0" i="1" smtClean="0">
+                            <a:latin typeface="Cambria Math" panose="02040503050406030204" pitchFamily="18" charset="0"/>
+                            <a:ea typeface="Cambria Math" panose="02040503050406030204" pitchFamily="18" charset="0"/>
+                          </a:rPr>
+                          <m:t>3/2</m:t>
+                        </m:r>
+                      </m:sup>
+                    </m:sSup>
+                  </m:oMath>
+                </a14:m>
+                <a:endParaRPr lang="en-US" sz="2000" dirty="0"/>
+              </a:p>
+              <a:p>
+                <a:pPr marL="0" indent="0" algn="ctr">
+                  <a:buNone/>
+                </a:pPr>
+                <a:r>
+                  <a:rPr lang="en-US" sz="2000" dirty="0"/>
+                  <a:t>we choose </a:t>
+                </a:r>
+                <a14:m>
+                  <m:oMath xmlns:m="http://schemas.openxmlformats.org/officeDocument/2006/math">
+                    <m:r>
+                      <a:rPr lang="en-US" sz="2000" i="1" smtClean="0">
+                        <a:latin typeface="Cambria Math" panose="02040503050406030204" pitchFamily="18" charset="0"/>
+                        <a:ea typeface="Cambria Math" panose="02040503050406030204" pitchFamily="18" charset="0"/>
+                      </a:rPr>
+                      <m:t>𝜂</m:t>
+                    </m:r>
+                    <m:r>
+                      <a:rPr lang="it-IT" sz="2000" b="0" i="1" smtClean="0">
+                        <a:latin typeface="Cambria Math" panose="02040503050406030204" pitchFamily="18" charset="0"/>
+                        <a:ea typeface="Cambria Math" panose="02040503050406030204" pitchFamily="18" charset="0"/>
+                      </a:rPr>
+                      <m:t>=1</m:t>
+                    </m:r>
+                  </m:oMath>
+                </a14:m>
+                <a:r>
+                  <a:rPr lang="en-US" sz="2000" dirty="0"/>
+                  <a:t> and </a:t>
+                </a:r>
+                <a14:m>
+                  <m:oMath xmlns:m="http://schemas.openxmlformats.org/officeDocument/2006/math">
+                    <m:r>
+                      <a:rPr lang="it-IT" sz="2000" b="0" i="1" smtClean="0">
+                        <a:latin typeface="Cambria Math" panose="02040503050406030204" pitchFamily="18" charset="0"/>
+                      </a:rPr>
+                      <m:t>𝑅</m:t>
+                    </m:r>
+                    <m:r>
+                      <a:rPr lang="it-IT" sz="2000" b="0" i="1" smtClean="0">
+                        <a:latin typeface="Cambria Math" panose="02040503050406030204" pitchFamily="18" charset="0"/>
+                      </a:rPr>
+                      <m:t>=0.1</m:t>
+                    </m:r>
+                  </m:oMath>
+                </a14:m>
+                <a:endParaRPr lang="en-US" sz="2000" dirty="0"/>
+              </a:p>
+            </p:txBody>
+          </p:sp>
+        </mc:Choice>
+        <mc:Fallback>
+          <p:sp>
+            <p:nvSpPr>
+              <p:cNvPr id="3" name="Segnaposto contenuto 2">
+                <a:extLst>
+                  <a:ext uri="{FF2B5EF4-FFF2-40B4-BE49-F238E27FC236}">
+                    <a16:creationId xmlns:a16="http://schemas.microsoft.com/office/drawing/2014/main" id="{6803CA10-7EC5-78A7-2CF6-304C557B162C}"/>
+                  </a:ext>
+                </a:extLst>
+              </p:cNvPr>
+              <p:cNvSpPr>
+                <a:spLocks noGrp="1" noRot="1" noChangeAspect="1" noMove="1" noResize="1" noEditPoints="1" noAdjustHandles="1" noChangeArrowheads="1" noChangeShapeType="1" noTextEdit="1"/>
+              </p:cNvSpPr>
+              <p:nvPr>
+                <p:ph idx="1"/>
+              </p:nvPr>
+            </p:nvSpPr>
+            <p:spPr>
+              <a:xfrm>
+                <a:off x="2231136" y="2022764"/>
+                <a:ext cx="7729728" cy="4347249"/>
+              </a:xfrm>
+              <a:blipFill>
+                <a:blip r:embed="rId3"/>
+                <a:stretch>
+                  <a:fillRect t="-1166"/>
+                </a:stretch>
+              </a:blipFill>
+            </p:spPr>
+            <p:txBody>
+              <a:bodyPr/>
+              <a:lstStyle/>
+              <a:p>
+                <a:r>
+                  <a:rPr lang="en-GB">
+                    <a:noFill/>
+                  </a:rPr>
+                  <a:t> </a:t>
+                </a:r>
+              </a:p>
+            </p:txBody>
+          </p:sp>
+        </mc:Fallback>
+      </mc:AlternateContent>
     </p:spTree>
     <p:extLst>
       <p:ext uri="{BB962C8B-B14F-4D97-AF65-F5344CB8AC3E}">
@@ -6105,13 +7456,13 @@
   <p:clrMapOvr>
     <a:masterClrMapping/>
   </p:clrMapOvr>
-  <mc:AlternateContent xmlns:mc="http://schemas.openxmlformats.org/markup-compatibility/2006">
-    <mc:Choice xmlns:p14="http://schemas.microsoft.com/office/powerpoint/2010/main" Requires="p14">
+  <mc:AlternateContent xmlns:mc="http://schemas.openxmlformats.org/markup-compatibility/2006" xmlns:p14="http://schemas.microsoft.com/office/powerpoint/2010/main">
+    <mc:Choice Requires="p14">
       <p:transition spd="med" p14:dur="700">
         <p:fade/>
       </p:transition>
     </mc:Choice>
-    <mc:Fallback>
+    <mc:Fallback xmlns="">
       <p:transition spd="med">
         <p:fade/>
       </p:transition>
@@ -6142,7 +7493,7 @@
           <p:cNvPr id="2" name="Titolo 1">
             <a:extLst>
               <a:ext uri="{FF2B5EF4-FFF2-40B4-BE49-F238E27FC236}">
-                <a16:creationId xmlns:a16="http://schemas.microsoft.com/office/drawing/2014/main" id="{43546A30-2501-5F83-078D-3D6E15C09B12}"/>
+                <a16:creationId xmlns:a16="http://schemas.microsoft.com/office/drawing/2014/main" id="{A495FDAF-5DEC-40E7-AF67-31E960084C6B}"/>
               </a:ext>
             </a:extLst>
           </p:cNvPr>
@@ -6155,8 +7506,8 @@
         </p:nvSpPr>
         <p:spPr>
           <a:xfrm>
-            <a:off x="2231136" y="487987"/>
-            <a:ext cx="7729728" cy="1188720"/>
+            <a:off x="3344440" y="2772987"/>
+            <a:ext cx="5503119" cy="1312025"/>
           </a:xfrm>
           <a:ln>
             <a:solidFill>
@@ -6171,134 +7522,38 @@
           <a:lstStyle/>
           <a:p>
             <a:r>
-              <a:rPr lang="it-IT" sz="3200" dirty="0" err="1">
+              <a:rPr lang="it-IT" sz="4400" dirty="0" err="1">
                 <a:solidFill>
                   <a:srgbClr val="C00000"/>
                 </a:solidFill>
               </a:rPr>
-              <a:t>sdss</a:t>
-            </a:r>
-            <a:r>
-              <a:rPr lang="it-IT" sz="3200" dirty="0">
-                <a:solidFill>
-                  <a:srgbClr val="C00000"/>
-                </a:solidFill>
-              </a:rPr>
-              <a:t> dataset</a:t>
-            </a:r>
-          </a:p>
-        </p:txBody>
-      </p:sp>
-      <p:sp>
-        <p:nvSpPr>
-          <p:cNvPr id="3" name="Segnaposto contenuto 2">
-            <a:extLst>
-              <a:ext uri="{FF2B5EF4-FFF2-40B4-BE49-F238E27FC236}">
-                <a16:creationId xmlns:a16="http://schemas.microsoft.com/office/drawing/2014/main" id="{6803CA10-7EC5-78A7-2CF6-304C557B162C}"/>
-              </a:ext>
-            </a:extLst>
-          </p:cNvPr>
-          <p:cNvSpPr>
-            <a:spLocks noGrp="1"/>
-          </p:cNvSpPr>
-          <p:nvPr>
-            <p:ph idx="1"/>
-          </p:nvPr>
-        </p:nvSpPr>
-        <p:spPr>
-          <a:xfrm>
-            <a:off x="2231136" y="2022764"/>
-            <a:ext cx="7729728" cy="4347249"/>
-          </a:xfrm>
-        </p:spPr>
-        <p:txBody>
-          <a:bodyPr/>
-          <a:lstStyle/>
-          <a:p>
-            <a:r>
-              <a:rPr lang="en-US" dirty="0"/>
-              <a:t>2 graph</a:t>
-            </a:r>
-          </a:p>
-        </p:txBody>
-      </p:sp>
-      <p:pic>
-        <p:nvPicPr>
-          <p:cNvPr id="4" name="Immagine 3">
-            <a:extLst>
-              <a:ext uri="{FF2B5EF4-FFF2-40B4-BE49-F238E27FC236}">
-                <a16:creationId xmlns:a16="http://schemas.microsoft.com/office/drawing/2014/main" id="{AF9DC236-546E-ADEB-3EE4-2011FB548A98}"/>
-              </a:ext>
-            </a:extLst>
-          </p:cNvPr>
-          <p:cNvPicPr>
-            <a:picLocks noChangeAspect="1"/>
-          </p:cNvPicPr>
-          <p:nvPr/>
-        </p:nvPicPr>
-        <p:blipFill>
-          <a:blip r:embed="rId3"/>
-          <a:stretch>
-            <a:fillRect/>
-          </a:stretch>
-        </p:blipFill>
-        <p:spPr>
-          <a:xfrm>
-            <a:off x="6096000" y="3019321"/>
-            <a:ext cx="3544016" cy="2575805"/>
-          </a:xfrm>
-          <a:prstGeom prst="rect">
-            <a:avLst/>
-          </a:prstGeom>
-        </p:spPr>
-      </p:pic>
-      <p:pic>
-        <p:nvPicPr>
-          <p:cNvPr id="7" name="Immagine 6">
-            <a:extLst>
-              <a:ext uri="{FF2B5EF4-FFF2-40B4-BE49-F238E27FC236}">
-                <a16:creationId xmlns:a16="http://schemas.microsoft.com/office/drawing/2014/main" id="{4D3BCE62-0AF4-CB1B-E579-9E36EC88478A}"/>
-              </a:ext>
-            </a:extLst>
-          </p:cNvPr>
-          <p:cNvPicPr>
-            <a:picLocks noChangeAspect="1"/>
-          </p:cNvPicPr>
-          <p:nvPr/>
-        </p:nvPicPr>
-        <p:blipFill>
-          <a:blip r:embed="rId4"/>
-          <a:stretch>
-            <a:fillRect/>
-          </a:stretch>
-        </p:blipFill>
-        <p:spPr>
-          <a:xfrm>
-            <a:off x="1807971" y="2724470"/>
-            <a:ext cx="4288029" cy="3165508"/>
-          </a:xfrm>
-          <a:prstGeom prst="rect">
-            <a:avLst/>
-          </a:prstGeom>
-        </p:spPr>
-      </p:pic>
+              <a:t>Results</a:t>
+            </a:r>
+            <a:endParaRPr lang="it-IT" sz="3600" dirty="0">
+              <a:solidFill>
+                <a:srgbClr val="C00000"/>
+              </a:solidFill>
+            </a:endParaRPr>
+          </a:p>
+        </p:txBody>
+      </p:sp>
     </p:spTree>
     <p:extLst>
       <p:ext uri="{BB962C8B-B14F-4D97-AF65-F5344CB8AC3E}">
-        <p14:creationId xmlns:p14="http://schemas.microsoft.com/office/powerpoint/2010/main" val="867908420"/>
+        <p14:creationId xmlns:p14="http://schemas.microsoft.com/office/powerpoint/2010/main" val="1063389489"/>
       </p:ext>
     </p:extLst>
   </p:cSld>
   <p:clrMapOvr>
     <a:masterClrMapping/>
   </p:clrMapOvr>
-  <mc:AlternateContent xmlns:mc="http://schemas.openxmlformats.org/markup-compatibility/2006">
-    <mc:Choice xmlns:p14="http://schemas.microsoft.com/office/powerpoint/2010/main" Requires="p14">
+  <mc:AlternateContent xmlns:mc="http://schemas.openxmlformats.org/markup-compatibility/2006" xmlns:p14="http://schemas.microsoft.com/office/powerpoint/2010/main">
+    <mc:Choice Requires="p14">
       <p:transition spd="med" p14:dur="700">
         <p:fade/>
       </p:transition>
     </mc:Choice>
-    <mc:Fallback>
+    <mc:Fallback xmlns="">
       <p:transition spd="med">
         <p:fade/>
       </p:transition>
@@ -6329,7 +7584,7 @@
           <p:cNvPr id="2" name="Titolo 1">
             <a:extLst>
               <a:ext uri="{FF2B5EF4-FFF2-40B4-BE49-F238E27FC236}">
-                <a16:creationId xmlns:a16="http://schemas.microsoft.com/office/drawing/2014/main" id="{A495FDAF-5DEC-40E7-AF67-31E960084C6B}"/>
+                <a16:creationId xmlns:a16="http://schemas.microsoft.com/office/drawing/2014/main" id="{43546A30-2501-5F83-078D-3D6E15C09B12}"/>
               </a:ext>
             </a:extLst>
           </p:cNvPr>
@@ -6342,8 +7597,8 @@
         </p:nvSpPr>
         <p:spPr>
           <a:xfrm>
-            <a:off x="3344440" y="2772987"/>
-            <a:ext cx="5503119" cy="1312025"/>
+            <a:off x="2231136" y="487987"/>
+            <a:ext cx="7729728" cy="1188720"/>
           </a:xfrm>
           <a:ln>
             <a:solidFill>
@@ -6358,25 +7613,88 @@
           <a:lstStyle/>
           <a:p>
             <a:r>
-              <a:rPr lang="it-IT" sz="4400" dirty="0" err="1">
+              <a:rPr lang="it-IT" sz="3200" dirty="0" err="1">
                 <a:solidFill>
                   <a:srgbClr val="C00000"/>
                 </a:solidFill>
               </a:rPr>
-              <a:t>Results</a:t>
-            </a:r>
-            <a:endParaRPr lang="it-IT" sz="3600" dirty="0">
-              <a:solidFill>
-                <a:srgbClr val="C00000"/>
-              </a:solidFill>
-            </a:endParaRPr>
-          </a:p>
-        </p:txBody>
-      </p:sp>
+              <a:t>sdss</a:t>
+            </a:r>
+            <a:r>
+              <a:rPr lang="it-IT" sz="3200" dirty="0">
+                <a:solidFill>
+                  <a:srgbClr val="C00000"/>
+                </a:solidFill>
+              </a:rPr>
+              <a:t> dataset</a:t>
+            </a:r>
+          </a:p>
+        </p:txBody>
+      </p:sp>
+      <p:pic>
+        <p:nvPicPr>
+          <p:cNvPr id="6" name="Immagine 5" descr="Immagine che contiene testo, schermata, Policromia, diagramma&#10;&#10;Descrizione generata automaticamente">
+            <a:extLst>
+              <a:ext uri="{FF2B5EF4-FFF2-40B4-BE49-F238E27FC236}">
+                <a16:creationId xmlns:a16="http://schemas.microsoft.com/office/drawing/2014/main" id="{5AB466F3-1F25-6503-1C24-22D0336E736F}"/>
+              </a:ext>
+            </a:extLst>
+          </p:cNvPr>
+          <p:cNvPicPr>
+            <a:picLocks noChangeAspect="1"/>
+          </p:cNvPicPr>
+          <p:nvPr/>
+        </p:nvPicPr>
+        <p:blipFill>
+          <a:blip r:embed="rId3"/>
+          <a:stretch>
+            <a:fillRect/>
+          </a:stretch>
+        </p:blipFill>
+        <p:spPr>
+          <a:xfrm>
+            <a:off x="880204" y="2073113"/>
+            <a:ext cx="5139596" cy="3794152"/>
+          </a:xfrm>
+          <a:prstGeom prst="rect">
+            <a:avLst/>
+          </a:prstGeom>
+        </p:spPr>
+      </p:pic>
+      <p:pic>
+        <p:nvPicPr>
+          <p:cNvPr id="9" name="Immagine 8" descr="Immagine che contiene testo, schermata, Diagramma, diagramma&#10;&#10;Descrizione generata automaticamente">
+            <a:extLst>
+              <a:ext uri="{FF2B5EF4-FFF2-40B4-BE49-F238E27FC236}">
+                <a16:creationId xmlns:a16="http://schemas.microsoft.com/office/drawing/2014/main" id="{FAD64AA2-69DF-70A2-E498-437088EE0233}"/>
+              </a:ext>
+            </a:extLst>
+          </p:cNvPr>
+          <p:cNvPicPr>
+            <a:picLocks noChangeAspect="1"/>
+          </p:cNvPicPr>
+          <p:nvPr/>
+        </p:nvPicPr>
+        <p:blipFill>
+          <a:blip r:embed="rId4"/>
+          <a:stretch>
+            <a:fillRect/>
+          </a:stretch>
+        </p:blipFill>
+        <p:spPr>
+          <a:xfrm>
+            <a:off x="6172201" y="2073113"/>
+            <a:ext cx="5220323" cy="3794152"/>
+          </a:xfrm>
+          <a:prstGeom prst="rect">
+            <a:avLst/>
+          </a:prstGeom>
+        </p:spPr>
+      </p:pic>
     </p:spTree>
     <p:extLst>
       <p:ext uri="{BB962C8B-B14F-4D97-AF65-F5344CB8AC3E}">
-        <p14:creationId xmlns:p14="http://schemas.microsoft.com/office/powerpoint/2010/main" val="1063389489"/>
+        <p14:creationId xmlns:p14="http://schemas.microsoft.com/office/powerpoint/2010/main" val="867908420"/>
       </p:ext>
     </p:extLst>
   </p:cSld>
@@ -6420,7 +7738,7 @@
           <p:cNvPr id="2" name="Titolo 1">
             <a:extLst>
               <a:ext uri="{FF2B5EF4-FFF2-40B4-BE49-F238E27FC236}">
-                <a16:creationId xmlns:a16="http://schemas.microsoft.com/office/drawing/2014/main" id="{43546A30-2501-5F83-078D-3D6E15C09B12}"/>
+                <a16:creationId xmlns:a16="http://schemas.microsoft.com/office/drawing/2014/main" id="{A495FDAF-5DEC-40E7-AF67-31E960084C6B}"/>
               </a:ext>
             </a:extLst>
           </p:cNvPr>
@@ -6433,8 +7751,8 @@
         </p:nvSpPr>
         <p:spPr>
           <a:xfrm>
-            <a:off x="2231136" y="487987"/>
-            <a:ext cx="7729728" cy="1188720"/>
+            <a:off x="3344440" y="2772987"/>
+            <a:ext cx="5503119" cy="1312025"/>
           </a:xfrm>
           <a:ln>
             <a:solidFill>
@@ -6449,46 +7767,14 @@
           <a:lstStyle/>
           <a:p>
             <a:r>
-              <a:rPr lang="it-IT" sz="3200" dirty="0" err="1">
+              <a:rPr lang="it-IT" sz="4400" dirty="0" err="1">
                 <a:solidFill>
                   <a:srgbClr val="C00000"/>
                 </a:solidFill>
               </a:rPr>
-              <a:t>FIt</a:t>
-            </a:r>
-            <a:r>
-              <a:rPr lang="it-IT" sz="3200" dirty="0">
-                <a:solidFill>
-                  <a:srgbClr val="C00000"/>
-                </a:solidFill>
-              </a:rPr>
-              <a:t> of the </a:t>
-            </a:r>
-            <a:r>
-              <a:rPr lang="it-IT" sz="3200" dirty="0" err="1">
-                <a:solidFill>
-                  <a:srgbClr val="C00000"/>
-                </a:solidFill>
-              </a:rPr>
-              <a:t>main</a:t>
-            </a:r>
-            <a:r>
-              <a:rPr lang="it-IT" sz="3200" dirty="0">
-                <a:solidFill>
-                  <a:srgbClr val="C00000"/>
-                </a:solidFill>
-              </a:rPr>
-              <a:t> </a:t>
-            </a:r>
-            <a:r>
-              <a:rPr lang="it-IT" sz="3200" dirty="0" err="1">
-                <a:solidFill>
-                  <a:srgbClr val="C00000"/>
-                </a:solidFill>
-              </a:rPr>
-              <a:t>sequence</a:t>
-            </a:r>
-            <a:endParaRPr lang="it-IT" sz="3200" dirty="0">
+              <a:t>discussion</a:t>
+            </a:r>
+            <a:endParaRPr lang="it-IT" sz="3600" dirty="0">
               <a:solidFill>
                 <a:srgbClr val="C00000"/>
               </a:solidFill>
@@ -6496,116 +7782,23 @@
           </a:p>
         </p:txBody>
       </p:sp>
-      <p:sp>
-        <p:nvSpPr>
-          <p:cNvPr id="3" name="Segnaposto contenuto 2">
-            <a:extLst>
-              <a:ext uri="{FF2B5EF4-FFF2-40B4-BE49-F238E27FC236}">
-                <a16:creationId xmlns:a16="http://schemas.microsoft.com/office/drawing/2014/main" id="{6803CA10-7EC5-78A7-2CF6-304C557B162C}"/>
-              </a:ext>
-            </a:extLst>
-          </p:cNvPr>
-          <p:cNvSpPr>
-            <a:spLocks noGrp="1"/>
-          </p:cNvSpPr>
-          <p:nvPr>
-            <p:ph idx="1"/>
-          </p:nvPr>
-        </p:nvSpPr>
-        <p:spPr>
-          <a:xfrm>
-            <a:off x="2231136" y="2022764"/>
-            <a:ext cx="7729728" cy="4347249"/>
-          </a:xfrm>
-        </p:spPr>
-        <p:txBody>
-          <a:bodyPr/>
-          <a:lstStyle/>
-          <a:p>
-            <a:r>
-              <a:rPr lang="en-US" dirty="0"/>
-              <a:t>SSDS</a:t>
-            </a:r>
-          </a:p>
-          <a:p>
-            <a:r>
-              <a:rPr lang="en-US" dirty="0"/>
-              <a:t>(</a:t>
-            </a:r>
-            <a:r>
-              <a:rPr lang="en-US" dirty="0" err="1"/>
-              <a:t>sistema</a:t>
-            </a:r>
-            <a:r>
-              <a:rPr lang="en-US" dirty="0"/>
-              <a:t> </a:t>
-            </a:r>
-            <a:r>
-              <a:rPr lang="en-US" dirty="0" err="1"/>
-              <a:t>titoli</a:t>
-            </a:r>
-            <a:r>
-              <a:rPr lang="en-US" dirty="0"/>
-              <a:t> </a:t>
-            </a:r>
-            <a:r>
-              <a:rPr lang="en-US" dirty="0" err="1"/>
-              <a:t>grafici</a:t>
-            </a:r>
-            <a:r>
-              <a:rPr lang="en-US" dirty="0"/>
-              <a:t>)</a:t>
-            </a:r>
-          </a:p>
-        </p:txBody>
-      </p:sp>
-      <p:pic>
-        <p:nvPicPr>
-          <p:cNvPr id="4" name="Immagine 3">
-            <a:extLst>
-              <a:ext uri="{FF2B5EF4-FFF2-40B4-BE49-F238E27FC236}">
-                <a16:creationId xmlns:a16="http://schemas.microsoft.com/office/drawing/2014/main" id="{1B7E98EA-8D9D-A397-A801-CEF201CF991B}"/>
-              </a:ext>
-            </a:extLst>
-          </p:cNvPr>
-          <p:cNvPicPr>
-            <a:picLocks noChangeAspect="1"/>
-          </p:cNvPicPr>
-          <p:nvPr/>
-        </p:nvPicPr>
-        <p:blipFill>
-          <a:blip r:embed="rId3"/>
-          <a:stretch>
-            <a:fillRect/>
-          </a:stretch>
-        </p:blipFill>
-        <p:spPr>
-          <a:xfrm>
-            <a:off x="3632332" y="2861154"/>
-            <a:ext cx="4927335" cy="3508859"/>
-          </a:xfrm>
-          <a:prstGeom prst="rect">
-            <a:avLst/>
-          </a:prstGeom>
-        </p:spPr>
-      </p:pic>
     </p:spTree>
     <p:extLst>
       <p:ext uri="{BB962C8B-B14F-4D97-AF65-F5344CB8AC3E}">
-        <p14:creationId xmlns:p14="http://schemas.microsoft.com/office/powerpoint/2010/main" val="4036629294"/>
+        <p14:creationId xmlns:p14="http://schemas.microsoft.com/office/powerpoint/2010/main" val="2270549079"/>
       </p:ext>
     </p:extLst>
   </p:cSld>
   <p:clrMapOvr>
     <a:masterClrMapping/>
   </p:clrMapOvr>
-  <mc:AlternateContent xmlns:mc="http://schemas.openxmlformats.org/markup-compatibility/2006">
-    <mc:Choice xmlns:p14="http://schemas.microsoft.com/office/powerpoint/2010/main" Requires="p14">
+  <mc:AlternateContent xmlns:mc="http://schemas.openxmlformats.org/markup-compatibility/2006" xmlns:p14="http://schemas.microsoft.com/office/powerpoint/2010/main">
+    <mc:Choice Requires="p14">
       <p:transition spd="med" p14:dur="700">
         <p:fade/>
       </p:transition>
     </mc:Choice>
-    <mc:Fallback>
+    <mc:Fallback xmlns="">
       <p:transition spd="med">
         <p:fade/>
       </p:transition>
@@ -6670,7 +7863,7 @@
                   <a:srgbClr val="C00000"/>
                 </a:solidFill>
               </a:rPr>
-              <a:t>Bimodal</a:t>
+              <a:t>FIt</a:t>
             </a:r>
             <a:r>
               <a:rPr lang="it-IT" sz="3200" dirty="0">
@@ -6678,69 +7871,55 @@
                   <a:srgbClr val="C00000"/>
                 </a:solidFill>
               </a:rPr>
-              <a:t> plot</a:t>
-            </a:r>
-          </a:p>
-        </p:txBody>
-      </p:sp>
-      <p:sp>
-        <p:nvSpPr>
-          <p:cNvPr id="3" name="Segnaposto contenuto 2">
+              <a:t> of the </a:t>
+            </a:r>
+            <a:r>
+              <a:rPr lang="it-IT" sz="3200" dirty="0" err="1">
+                <a:solidFill>
+                  <a:srgbClr val="C00000"/>
+                </a:solidFill>
+              </a:rPr>
+              <a:t>main</a:t>
+            </a:r>
+            <a:r>
+              <a:rPr lang="it-IT" sz="3200" dirty="0">
+                <a:solidFill>
+                  <a:srgbClr val="C00000"/>
+                </a:solidFill>
+              </a:rPr>
+              <a:t> </a:t>
+            </a:r>
+            <a:r>
+              <a:rPr lang="it-IT" sz="3200" dirty="0" err="1">
+                <a:solidFill>
+                  <a:srgbClr val="C00000"/>
+                </a:solidFill>
+              </a:rPr>
+              <a:t>sequence</a:t>
+            </a:r>
+            <a:endParaRPr lang="it-IT" sz="3200" dirty="0">
+              <a:solidFill>
+                <a:srgbClr val="C00000"/>
+              </a:solidFill>
+            </a:endParaRPr>
+          </a:p>
+        </p:txBody>
+      </p:sp>
+      <p:pic>
+        <p:nvPicPr>
+          <p:cNvPr id="6" name="Segnaposto contenuto 5" descr="Immagine che contiene testo, schermata, linea, Diagramma&#10;&#10;Descrizione generata automaticamente">
             <a:extLst>
               <a:ext uri="{FF2B5EF4-FFF2-40B4-BE49-F238E27FC236}">
-                <a16:creationId xmlns:a16="http://schemas.microsoft.com/office/drawing/2014/main" id="{6803CA10-7EC5-78A7-2CF6-304C557B162C}"/>
-              </a:ext>
-            </a:extLst>
-          </p:cNvPr>
-          <p:cNvSpPr>
-            <a:spLocks noGrp="1"/>
-          </p:cNvSpPr>
-          <p:nvPr>
-            <p:ph idx="1"/>
-          </p:nvPr>
-        </p:nvSpPr>
-        <p:spPr>
-          <a:xfrm>
-            <a:off x="2231136" y="2022764"/>
-            <a:ext cx="7729728" cy="4347249"/>
-          </a:xfrm>
-        </p:spPr>
-        <p:txBody>
-          <a:bodyPr/>
-          <a:lstStyle/>
-          <a:p>
-            <a:r>
-              <a:rPr lang="en-US" dirty="0"/>
-              <a:t>2 graph SDSS</a:t>
-            </a:r>
-          </a:p>
-          <a:p>
-            <a:r>
-              <a:rPr lang="en-US" dirty="0"/>
-              <a:t>bins</a:t>
-            </a:r>
-          </a:p>
-          <a:p>
-            <a:r>
-              <a:rPr lang="en-US" dirty="0"/>
-              <a:t>histogram</a:t>
-            </a:r>
-          </a:p>
-        </p:txBody>
-      </p:sp>
-      <p:pic>
-        <p:nvPicPr>
-          <p:cNvPr id="4" name="Immagine 3">
-            <a:extLst>
-              <a:ext uri="{FF2B5EF4-FFF2-40B4-BE49-F238E27FC236}">
-                <a16:creationId xmlns:a16="http://schemas.microsoft.com/office/drawing/2014/main" id="{A6350D56-4D7A-96C2-D0E4-87B58079D0AC}"/>
+                <a16:creationId xmlns:a16="http://schemas.microsoft.com/office/drawing/2014/main" id="{12FD07A2-8577-00FE-B019-D298362517B9}"/>
               </a:ext>
             </a:extLst>
           </p:cNvPr>
           <p:cNvPicPr>
-            <a:picLocks noChangeAspect="1"/>
+            <a:picLocks noGrp="1" noChangeAspect="1"/>
           </p:cNvPicPr>
-          <p:nvPr/>
+          <p:nvPr>
+            <p:ph idx="1"/>
+          </p:nvPr>
         </p:nvPicPr>
         <p:blipFill>
           <a:blip r:embed="rId3"/>
@@ -6750,61 +7929,28 @@
         </p:blipFill>
         <p:spPr>
           <a:xfrm>
-            <a:off x="2544300" y="3429000"/>
-            <a:ext cx="3551700" cy="2529241"/>
+            <a:off x="3011721" y="1988318"/>
+            <a:ext cx="6168557" cy="4381695"/>
           </a:xfrm>
-          <a:prstGeom prst="rect">
-            <a:avLst/>
-          </a:prstGeom>
-        </p:spPr>
-      </p:pic>
-      <p:pic>
-        <p:nvPicPr>
-          <p:cNvPr id="5" name="Immagine 4">
-            <a:extLst>
-              <a:ext uri="{FF2B5EF4-FFF2-40B4-BE49-F238E27FC236}">
-                <a16:creationId xmlns:a16="http://schemas.microsoft.com/office/drawing/2014/main" id="{276A9AE3-4B47-EE2F-7FC6-147FF17427E2}"/>
-              </a:ext>
-            </a:extLst>
-          </p:cNvPr>
-          <p:cNvPicPr>
-            <a:picLocks noChangeAspect="1"/>
-          </p:cNvPicPr>
-          <p:nvPr/>
-        </p:nvPicPr>
-        <p:blipFill>
-          <a:blip r:embed="rId4"/>
-          <a:stretch>
-            <a:fillRect/>
-          </a:stretch>
-        </p:blipFill>
-        <p:spPr>
-          <a:xfrm>
-            <a:off x="6096000" y="3429000"/>
-            <a:ext cx="3569638" cy="2529241"/>
-          </a:xfrm>
-          <a:prstGeom prst="rect">
-            <a:avLst/>
-          </a:prstGeom>
         </p:spPr>
       </p:pic>
     </p:spTree>
     <p:extLst>
       <p:ext uri="{BB962C8B-B14F-4D97-AF65-F5344CB8AC3E}">
-        <p14:creationId xmlns:p14="http://schemas.microsoft.com/office/powerpoint/2010/main" val="1977696581"/>
+        <p14:creationId xmlns:p14="http://schemas.microsoft.com/office/powerpoint/2010/main" val="4036629294"/>
       </p:ext>
     </p:extLst>
   </p:cSld>
   <p:clrMapOvr>
     <a:masterClrMapping/>
   </p:clrMapOvr>
-  <mc:AlternateContent xmlns:mc="http://schemas.openxmlformats.org/markup-compatibility/2006">
-    <mc:Choice xmlns:p14="http://schemas.microsoft.com/office/powerpoint/2010/main" Requires="p14">
+  <mc:AlternateContent xmlns:mc="http://schemas.openxmlformats.org/markup-compatibility/2006" xmlns:p14="http://schemas.microsoft.com/office/powerpoint/2010/main">
+    <mc:Choice Requires="p14">
       <p:transition spd="med" p14:dur="700">
         <p:fade/>
       </p:transition>
     </mc:Choice>
-    <mc:Fallback>
+    <mc:Fallback xmlns="">
       <p:transition spd="med">
         <p:fade/>
       </p:transition>
@@ -6869,7 +8015,7 @@
                   <a:srgbClr val="C00000"/>
                 </a:solidFill>
               </a:rPr>
-              <a:t>opened</a:t>
+              <a:t>Bimodal</a:t>
             </a:r>
             <a:r>
               <a:rPr lang="it-IT" sz="3200" dirty="0">
@@ -6877,62 +8023,17 @@
                   <a:srgbClr val="C00000"/>
                 </a:solidFill>
               </a:rPr>
-              <a:t> box</a:t>
-            </a:r>
-          </a:p>
-        </p:txBody>
-      </p:sp>
-      <p:sp>
-        <p:nvSpPr>
-          <p:cNvPr id="3" name="Segnaposto contenuto 2">
+              <a:t> plot</a:t>
+            </a:r>
+          </a:p>
+        </p:txBody>
+      </p:sp>
+      <p:pic>
+        <p:nvPicPr>
+          <p:cNvPr id="4" name="Immagine 3" descr="Immagine che contiene testo, schermata, linea, diagramma&#10;&#10;Descrizione generata automaticamente">
             <a:extLst>
               <a:ext uri="{FF2B5EF4-FFF2-40B4-BE49-F238E27FC236}">
-                <a16:creationId xmlns:a16="http://schemas.microsoft.com/office/drawing/2014/main" id="{6803CA10-7EC5-78A7-2CF6-304C557B162C}"/>
-              </a:ext>
-            </a:extLst>
-          </p:cNvPr>
-          <p:cNvSpPr>
-            <a:spLocks noGrp="1"/>
-          </p:cNvSpPr>
-          <p:nvPr>
-            <p:ph idx="1"/>
-          </p:nvPr>
-        </p:nvSpPr>
-        <p:spPr>
-          <a:xfrm>
-            <a:off x="2231136" y="2022764"/>
-            <a:ext cx="7729728" cy="4347249"/>
-          </a:xfrm>
-        </p:spPr>
-        <p:txBody>
-          <a:bodyPr/>
-          <a:lstStyle/>
-          <a:p>
-            <a:r>
-              <a:rPr lang="en-US" dirty="0"/>
-              <a:t>2 graph closed</a:t>
-            </a:r>
-          </a:p>
-          <a:p>
-            <a:r>
-              <a:rPr lang="en-US" dirty="0"/>
-              <a:t>bins</a:t>
-            </a:r>
-          </a:p>
-          <a:p>
-            <a:r>
-              <a:rPr lang="en-US" dirty="0"/>
-              <a:t>histogram</a:t>
-            </a:r>
-          </a:p>
-        </p:txBody>
-      </p:sp>
-      <p:pic>
-        <p:nvPicPr>
-          <p:cNvPr id="6" name="Immagine 5">
-            <a:extLst>
-              <a:ext uri="{FF2B5EF4-FFF2-40B4-BE49-F238E27FC236}">
-                <a16:creationId xmlns:a16="http://schemas.microsoft.com/office/drawing/2014/main" id="{B26BF4D0-CBD4-9624-FC77-DD059F50DC8A}"/>
+                <a16:creationId xmlns:a16="http://schemas.microsoft.com/office/drawing/2014/main" id="{0A5520C3-19CE-4107-3D50-6E181B50D05D}"/>
               </a:ext>
             </a:extLst>
           </p:cNvPr>
@@ -6949,8 +8050,8 @@
         </p:blipFill>
         <p:spPr>
           <a:xfrm>
-            <a:off x="2231136" y="3429000"/>
-            <a:ext cx="3782879" cy="2693868"/>
+            <a:off x="880204" y="2097124"/>
+            <a:ext cx="5139596" cy="3650796"/>
           </a:xfrm>
           <a:prstGeom prst="rect">
             <a:avLst/>
@@ -6959,10 +8060,10 @@
       </p:pic>
       <p:pic>
         <p:nvPicPr>
-          <p:cNvPr id="7" name="Immagine 6">
+          <p:cNvPr id="7" name="Immagine 6" descr="Immagine che contiene testo, diagramma, schermata, Diagramma&#10;&#10;Descrizione generata automaticamente">
             <a:extLst>
               <a:ext uri="{FF2B5EF4-FFF2-40B4-BE49-F238E27FC236}">
-                <a16:creationId xmlns:a16="http://schemas.microsoft.com/office/drawing/2014/main" id="{0E68E1EA-2908-E21B-59DC-F7DCE62E6C1D}"/>
+                <a16:creationId xmlns:a16="http://schemas.microsoft.com/office/drawing/2014/main" id="{BAA82F5B-E2B9-57BF-F0CD-519AD4BDAABD}"/>
               </a:ext>
             </a:extLst>
           </p:cNvPr>
@@ -6979,8 +8080,8 @@
         </p:blipFill>
         <p:spPr>
           <a:xfrm>
-            <a:off x="6014015" y="3429000"/>
-            <a:ext cx="3801984" cy="2693868"/>
+            <a:off x="6172201" y="2073112"/>
+            <a:ext cx="5220322" cy="3698821"/>
           </a:xfrm>
           <a:prstGeom prst="rect">
             <a:avLst/>
@@ -6990,7 +8091,7 @@
     </p:spTree>
     <p:extLst>
       <p:ext uri="{BB962C8B-B14F-4D97-AF65-F5344CB8AC3E}">
-        <p14:creationId xmlns:p14="http://schemas.microsoft.com/office/powerpoint/2010/main" val="2104576932"/>
+        <p14:creationId xmlns:p14="http://schemas.microsoft.com/office/powerpoint/2010/main" val="2643668897"/>
       </p:ext>
     </p:extLst>
   </p:cSld>
